--- a/DTI SBMS 사전절차 순서도.pptx
+++ b/DTI SBMS 사전절차 순서도.pptx
@@ -1198,63 +1198,6 @@
         </a:p>
       </dgm:t>
     </dgm:pt>
-    <dgm:pt modelId="{FE9ABC28-DF09-4407-B754-F7C4888EB186}">
-      <dgm:prSet phldrT="[텍스트]" custT="1">
-        <dgm:style>
-          <a:lnRef idx="2">
-            <a:schemeClr val="dk1"/>
-          </a:lnRef>
-          <a:fillRef idx="1">
-            <a:schemeClr val="lt1"/>
-          </a:fillRef>
-          <a:effectRef idx="0">
-            <a:schemeClr val="dk1"/>
-          </a:effectRef>
-          <a:fontRef idx="minor">
-            <a:schemeClr val="dk1"/>
-          </a:fontRef>
-        </dgm:style>
-      </dgm:prSet>
-      <dgm:spPr>
-        <a:ln>
-          <a:solidFill>
-            <a:schemeClr val="bg1"/>
-          </a:solidFill>
-        </a:ln>
-      </dgm:spPr>
-      <dgm:t>
-        <a:bodyPr/>
-        <a:lstStyle/>
-        <a:p>
-          <a:pPr latinLnBrk="1"/>
-          <a:endParaRPr lang="ko-KR" altLang="en-US" sz="1300" dirty="0"/>
-        </a:p>
-      </dgm:t>
-    </dgm:pt>
-    <dgm:pt modelId="{9F746F96-1E8C-4DA4-88AB-35557DB88997}" type="parTrans" cxnId="{E10B0D4C-ED5E-47A4-8FC0-E613E7BA6E8B}">
-      <dgm:prSet/>
-      <dgm:spPr/>
-      <dgm:t>
-        <a:bodyPr/>
-        <a:lstStyle/>
-        <a:p>
-          <a:pPr latinLnBrk="1"/>
-          <a:endParaRPr lang="ko-KR" altLang="en-US" sz="1300"/>
-        </a:p>
-      </dgm:t>
-    </dgm:pt>
-    <dgm:pt modelId="{B46DDE6E-5041-460B-80B6-9EF52A861C58}" type="sibTrans" cxnId="{E10B0D4C-ED5E-47A4-8FC0-E613E7BA6E8B}">
-      <dgm:prSet/>
-      <dgm:spPr/>
-      <dgm:t>
-        <a:bodyPr/>
-        <a:lstStyle/>
-        <a:p>
-          <a:pPr latinLnBrk="1"/>
-          <a:endParaRPr lang="ko-KR" altLang="en-US" sz="1300"/>
-        </a:p>
-      </dgm:t>
-    </dgm:pt>
     <dgm:pt modelId="{8F1E22AB-1F3C-413C-B1E5-25D67F34567C}">
       <dgm:prSet phldrT="[텍스트]" custT="1">
         <dgm:style>
@@ -1389,68 +1332,6 @@
         </a:p>
       </dgm:t>
     </dgm:pt>
-    <dgm:pt modelId="{5EE723C8-DE26-4C84-8D4D-163EEB2A66DE}">
-      <dgm:prSet phldrT="[텍스트]" custT="1">
-        <dgm:style>
-          <a:lnRef idx="2">
-            <a:schemeClr val="accent3">
-              <a:shade val="50000"/>
-            </a:schemeClr>
-          </a:lnRef>
-          <a:fillRef idx="1">
-            <a:schemeClr val="accent3"/>
-          </a:fillRef>
-          <a:effectRef idx="0">
-            <a:schemeClr val="accent3"/>
-          </a:effectRef>
-          <a:fontRef idx="minor">
-            <a:schemeClr val="lt1"/>
-          </a:fontRef>
-        </dgm:style>
-      </dgm:prSet>
-      <dgm:spPr>
-        <a:solidFill>
-          <a:schemeClr val="bg1"/>
-        </a:solidFill>
-        <a:ln>
-          <a:solidFill>
-            <a:schemeClr val="bg1"/>
-          </a:solidFill>
-        </a:ln>
-      </dgm:spPr>
-      <dgm:t>
-        <a:bodyPr/>
-        <a:lstStyle/>
-        <a:p>
-          <a:pPr latinLnBrk="1"/>
-          <a:endParaRPr lang="ko-KR" altLang="en-US" sz="1300" b="0" dirty="0"/>
-        </a:p>
-      </dgm:t>
-    </dgm:pt>
-    <dgm:pt modelId="{574B3AA6-27AB-464C-8554-ED9F7B719FF9}" type="parTrans" cxnId="{240243AD-45B5-4A95-A123-62A435EC896B}">
-      <dgm:prSet/>
-      <dgm:spPr/>
-      <dgm:t>
-        <a:bodyPr/>
-        <a:lstStyle/>
-        <a:p>
-          <a:pPr latinLnBrk="1"/>
-          <a:endParaRPr lang="ko-KR" altLang="en-US" sz="1300"/>
-        </a:p>
-      </dgm:t>
-    </dgm:pt>
-    <dgm:pt modelId="{0625D540-714D-4742-9306-562284278D4F}" type="sibTrans" cxnId="{240243AD-45B5-4A95-A123-62A435EC896B}">
-      <dgm:prSet/>
-      <dgm:spPr/>
-      <dgm:t>
-        <a:bodyPr/>
-        <a:lstStyle/>
-        <a:p>
-          <a:pPr latinLnBrk="1"/>
-          <a:endParaRPr lang="ko-KR" altLang="en-US" sz="1300"/>
-        </a:p>
-      </dgm:t>
-    </dgm:pt>
     <dgm:pt modelId="{35FD88A9-43DE-4840-A9DB-99633F179E04}">
       <dgm:prSet phldrT="[텍스트]" custT="1">
         <dgm:style>
@@ -1684,9 +1565,10 @@
         </dgm:style>
       </dgm:prSet>
       <dgm:spPr>
+        <a:noFill/>
         <a:ln>
           <a:solidFill>
-            <a:schemeClr val="bg1"/>
+            <a:schemeClr val="tx1"/>
           </a:solidFill>
         </a:ln>
       </dgm:spPr>
@@ -1695,7 +1577,18 @@
         <a:lstStyle/>
         <a:p>
           <a:pPr latinLnBrk="1"/>
-          <a:endParaRPr lang="ko-KR" altLang="en-US" sz="1300" dirty="0"/>
+          <a:r>
+            <a:rPr lang="ko-KR" altLang="en-US" sz="1300" b="0" dirty="0"/>
+            <a:t>중계서버 </a:t>
+          </a:r>
+          <a:r>
+            <a:rPr lang="en-US" altLang="ko-KR" sz="1300" b="0" dirty="0"/>
+            <a:t>URL </a:t>
+          </a:r>
+          <a:r>
+            <a:rPr lang="ko-KR" altLang="en-US" sz="1300" b="0" dirty="0"/>
+            <a:t>제공</a:t>
+          </a:r>
         </a:p>
       </dgm:t>
     </dgm:pt>
@@ -2082,13 +1975,9 @@
         </dgm:style>
       </dgm:prSet>
       <dgm:spPr>
-        <a:solidFill>
-          <a:schemeClr val="accent3"/>
-        </a:solidFill>
+        <a:noFill/>
         <a:ln>
-          <a:solidFill>
-            <a:schemeClr val="tx1"/>
-          </a:solidFill>
+          <a:noFill/>
         </a:ln>
       </dgm:spPr>
       <dgm:t>
@@ -2096,10 +1985,7 @@
         <a:lstStyle/>
         <a:p>
           <a:pPr latinLnBrk="1"/>
-          <a:r>
-            <a:rPr lang="ko-KR" altLang="en-US" sz="1300" b="1" dirty="0"/>
-            <a:t>통신테스트</a:t>
-          </a:r>
+          <a:endParaRPr lang="ko-KR" altLang="en-US" sz="1300" b="1" dirty="0"/>
         </a:p>
       </dgm:t>
     </dgm:pt>
@@ -2163,7 +2049,15 @@
             <a:rPr lang="ko-KR" altLang="en-US" sz="1300" b="1" dirty="0" err="1"/>
             <a:t>라우팅등록</a:t>
           </a:r>
-          <a:endParaRPr lang="ko-KR" altLang="en-US" sz="1300" dirty="0"/>
+          <a:endParaRPr lang="en-US" altLang="ko-KR" sz="1300" b="1" dirty="0"/>
+        </a:p>
+        <a:p>
+          <a:pPr latinLnBrk="1"/>
+          <a:r>
+            <a:rPr lang="ko-KR" altLang="en-US" sz="1300" b="1" dirty="0"/>
+            <a:t>통신테스트</a:t>
+          </a:r>
+          <a:endParaRPr lang="en-US" altLang="ko-KR" sz="1300" b="1" dirty="0"/>
         </a:p>
       </dgm:t>
     </dgm:pt>
@@ -2221,17 +2115,18 @@
         <a:p>
           <a:pPr latinLnBrk="1"/>
           <a:r>
-            <a:rPr lang="ko-KR" altLang="en-US" sz="1300" dirty="0"/>
-            <a:t>환경요청서</a:t>
+            <a:rPr lang="ko-KR" altLang="en-US" sz="1300" b="0" dirty="0"/>
+            <a:t>가입여부</a:t>
           </a:r>
-          <a:endParaRPr lang="en-US" altLang="ko-KR" sz="1300" dirty="0"/>
+          <a:endParaRPr lang="en-US" altLang="ko-KR" sz="1300" b="0" dirty="0"/>
         </a:p>
         <a:p>
           <a:pPr latinLnBrk="1"/>
           <a:r>
-            <a:rPr lang="ko-KR" altLang="en-US" sz="1300" dirty="0"/>
-            <a:t>제공</a:t>
+            <a:rPr lang="ko-KR" altLang="en-US" sz="1300" b="0" dirty="0"/>
+            <a:t>확인</a:t>
           </a:r>
+          <a:endParaRPr lang="ko-KR" altLang="en-US" sz="1300" dirty="0"/>
         </a:p>
       </dgm:t>
     </dgm:pt>
@@ -2341,13 +2236,9 @@
         </dgm:style>
       </dgm:prSet>
       <dgm:spPr>
-        <a:solidFill>
-          <a:schemeClr val="bg1"/>
-        </a:solidFill>
+        <a:noFill/>
         <a:ln w="12700">
-          <a:solidFill>
-            <a:schemeClr val="tx1"/>
-          </a:solidFill>
+          <a:noFill/>
         </a:ln>
       </dgm:spPr>
       <dgm:t>
@@ -2355,18 +2246,7 @@
         <a:lstStyle/>
         <a:p>
           <a:pPr latinLnBrk="1"/>
-          <a:r>
-            <a:rPr lang="ko-KR" altLang="en-US" sz="1300" b="0" dirty="0"/>
-            <a:t>가입여부</a:t>
-          </a:r>
-          <a:endParaRPr lang="en-US" altLang="ko-KR" sz="1300" b="0" dirty="0"/>
-        </a:p>
-        <a:p>
-          <a:pPr latinLnBrk="1"/>
-          <a:r>
-            <a:rPr lang="ko-KR" altLang="en-US" sz="1300" b="0" dirty="0"/>
-            <a:t>확인</a:t>
-          </a:r>
+          <a:endParaRPr lang="ko-KR" altLang="en-US" sz="1300" b="0" dirty="0"/>
         </a:p>
       </dgm:t>
     </dgm:pt>
@@ -2456,6 +2336,142 @@
         </a:p>
       </dgm:t>
     </dgm:pt>
+    <dgm:pt modelId="{8772CF65-E75F-4E8B-8999-7657101ED792}">
+      <dgm:prSet phldrT="[텍스트]" custT="1">
+        <dgm:style>
+          <a:lnRef idx="2">
+            <a:schemeClr val="dk1"/>
+          </a:lnRef>
+          <a:fillRef idx="1">
+            <a:schemeClr val="lt1"/>
+          </a:fillRef>
+          <a:effectRef idx="0">
+            <a:schemeClr val="dk1"/>
+          </a:effectRef>
+          <a:fontRef idx="minor">
+            <a:schemeClr val="dk1"/>
+          </a:fontRef>
+        </dgm:style>
+      </dgm:prSet>
+      <dgm:spPr>
+        <a:solidFill>
+          <a:schemeClr val="accent3"/>
+        </a:solidFill>
+        <a:ln>
+          <a:solidFill>
+            <a:schemeClr val="tx1"/>
+          </a:solidFill>
+        </a:ln>
+      </dgm:spPr>
+      <dgm:t>
+        <a:bodyPr/>
+        <a:lstStyle/>
+        <a:p>
+          <a:pPr latinLnBrk="1"/>
+          <a:r>
+            <a:rPr lang="ko-KR" altLang="en-US" sz="1300" b="1" dirty="0"/>
+            <a:t>인증서등록</a:t>
+          </a:r>
+        </a:p>
+      </dgm:t>
+    </dgm:pt>
+    <dgm:pt modelId="{20F68E06-586E-4CCE-BDA8-19F8B5B2A1BF}" type="parTrans" cxnId="{4F3B8F3C-38B2-46F6-AED9-8CB03178BFEB}">
+      <dgm:prSet/>
+      <dgm:spPr/>
+      <dgm:t>
+        <a:bodyPr/>
+        <a:lstStyle/>
+        <a:p>
+          <a:pPr latinLnBrk="1"/>
+          <a:endParaRPr lang="ko-KR" altLang="en-US"/>
+        </a:p>
+      </dgm:t>
+    </dgm:pt>
+    <dgm:pt modelId="{403BA809-72BA-4248-ACE8-1C9CF71781D8}" type="sibTrans" cxnId="{4F3B8F3C-38B2-46F6-AED9-8CB03178BFEB}">
+      <dgm:prSet/>
+      <dgm:spPr/>
+      <dgm:t>
+        <a:bodyPr/>
+        <a:lstStyle/>
+        <a:p>
+          <a:pPr latinLnBrk="1"/>
+          <a:endParaRPr lang="ko-KR" altLang="en-US"/>
+        </a:p>
+      </dgm:t>
+    </dgm:pt>
+    <dgm:pt modelId="{FC314D40-E589-4563-B38D-11BDD50E6398}">
+      <dgm:prSet phldrT="[텍스트]" custT="1">
+        <dgm:style>
+          <a:lnRef idx="2">
+            <a:schemeClr val="accent3">
+              <a:shade val="50000"/>
+            </a:schemeClr>
+          </a:lnRef>
+          <a:fillRef idx="1">
+            <a:schemeClr val="accent3"/>
+          </a:fillRef>
+          <a:effectRef idx="0">
+            <a:schemeClr val="accent3"/>
+          </a:effectRef>
+          <a:fontRef idx="minor">
+            <a:schemeClr val="lt1"/>
+          </a:fontRef>
+        </dgm:style>
+      </dgm:prSet>
+      <dgm:spPr>
+        <a:solidFill>
+          <a:schemeClr val="bg1"/>
+        </a:solidFill>
+        <a:ln w="12700">
+          <a:solidFill>
+            <a:schemeClr val="tx1"/>
+          </a:solidFill>
+        </a:ln>
+      </dgm:spPr>
+      <dgm:t>
+        <a:bodyPr/>
+        <a:lstStyle/>
+        <a:p>
+          <a:pPr latinLnBrk="1"/>
+          <a:r>
+            <a:rPr lang="ko-KR" altLang="en-US" sz="1300" b="0" dirty="0"/>
+            <a:t>환경요청서</a:t>
+          </a:r>
+          <a:endParaRPr lang="en-US" altLang="ko-KR" sz="1300" b="0" dirty="0"/>
+        </a:p>
+        <a:p>
+          <a:pPr latinLnBrk="1"/>
+          <a:r>
+            <a:rPr lang="ko-KR" altLang="en-US" sz="1300" b="0" dirty="0"/>
+            <a:t>제공</a:t>
+          </a:r>
+        </a:p>
+      </dgm:t>
+    </dgm:pt>
+    <dgm:pt modelId="{FA1435E0-F4F9-451F-9B33-E4B1CE7D23E0}" type="parTrans" cxnId="{2FA9342D-1AB8-4D19-996F-D7D2C9A4A014}">
+      <dgm:prSet/>
+      <dgm:spPr/>
+      <dgm:t>
+        <a:bodyPr/>
+        <a:lstStyle/>
+        <a:p>
+          <a:pPr latinLnBrk="1"/>
+          <a:endParaRPr lang="ko-KR" altLang="en-US"/>
+        </a:p>
+      </dgm:t>
+    </dgm:pt>
+    <dgm:pt modelId="{DF17D0BE-ADDC-496D-A107-022DCFD348AA}" type="sibTrans" cxnId="{2FA9342D-1AB8-4D19-996F-D7D2C9A4A014}">
+      <dgm:prSet/>
+      <dgm:spPr/>
+      <dgm:t>
+        <a:bodyPr/>
+        <a:lstStyle/>
+        <a:p>
+          <a:pPr latinLnBrk="1"/>
+          <a:endParaRPr lang="ko-KR" altLang="en-US"/>
+        </a:p>
+      </dgm:t>
+    </dgm:pt>
     <dgm:pt modelId="{9D3F1224-7562-4985-9CE1-F0BF6D46F3E4}" type="pres">
       <dgm:prSet presAssocID="{429B2188-37BD-44AA-9F2F-146BFBDEE009}" presName="Name0" presStyleCnt="0">
         <dgm:presLayoutVars>
@@ -2543,20 +2559,20 @@
       <dgm:prSet presAssocID="{3A006348-C24A-4F99-B211-12F4EC4BAAFD}" presName="sibTrans" presStyleCnt="0"/>
       <dgm:spPr/>
     </dgm:pt>
-    <dgm:pt modelId="{821957E7-CC0F-432E-AE72-662A0E807F92}" type="pres">
-      <dgm:prSet presAssocID="{DF9EBF9E-3B01-4453-BF97-0C1A0AFC7D12}" presName="node" presStyleLbl="alignAccFollowNode1" presStyleIdx="5" presStyleCnt="21">
+    <dgm:pt modelId="{16E0C869-567E-4B1B-8376-8111A2D28325}" type="pres">
+      <dgm:prSet presAssocID="{8772CF65-E75F-4E8B-8999-7657101ED792}" presName="node" presStyleLbl="alignAccFollowNode1" presStyleIdx="5" presStyleCnt="21">
         <dgm:presLayoutVars>
           <dgm:bulletEnabled val="1"/>
         </dgm:presLayoutVars>
       </dgm:prSet>
       <dgm:spPr/>
     </dgm:pt>
-    <dgm:pt modelId="{D91BCC34-214D-4F48-B5E5-4BD46A013447}" type="pres">
-      <dgm:prSet presAssocID="{BD7ACB00-2588-47E2-994C-05C93F66A5DC}" presName="sibTrans" presStyleCnt="0"/>
+    <dgm:pt modelId="{F64B094C-3C8A-497E-83C5-B4213E12C194}" type="pres">
+      <dgm:prSet presAssocID="{403BA809-72BA-4248-ACE8-1C9CF71781D8}" presName="sibTrans" presStyleCnt="0"/>
       <dgm:spPr/>
     </dgm:pt>
-    <dgm:pt modelId="{9608AD94-AA47-4114-841C-5AF780255F64}" type="pres">
-      <dgm:prSet presAssocID="{5EE723C8-DE26-4C84-8D4D-163EEB2A66DE}" presName="node" presStyleLbl="alignAccFollowNode1" presStyleIdx="6" presStyleCnt="21">
+    <dgm:pt modelId="{821957E7-CC0F-432E-AE72-662A0E807F92}" type="pres">
+      <dgm:prSet presAssocID="{DF9EBF9E-3B01-4453-BF97-0C1A0AFC7D12}" presName="node" presStyleLbl="alignAccFollowNode1" presStyleIdx="6" presStyleCnt="21">
         <dgm:presLayoutVars>
           <dgm:bulletEnabled val="1"/>
         </dgm:presLayoutVars>
@@ -2679,32 +2695,32 @@
         </a:prstGeom>
       </dgm:spPr>
     </dgm:pt>
-    <dgm:pt modelId="{F582B2CF-0D0E-4528-9ECD-C19DA5CAEFFE}" type="pres">
-      <dgm:prSet presAssocID="{9F746F96-1E8C-4DA4-88AB-35557DB88997}" presName="parTrans" presStyleCnt="0"/>
+    <dgm:pt modelId="{91750DA6-C551-4D97-94BA-22C48267F292}" type="pres">
+      <dgm:prSet presAssocID="{30B547E6-0519-41D1-9AAD-1536210C056D}" presName="parTrans" presStyleCnt="0"/>
       <dgm:spPr/>
     </dgm:pt>
-    <dgm:pt modelId="{6259C32C-2377-4CC5-984F-9A59AEFD8B8E}" type="pres">
-      <dgm:prSet presAssocID="{FE9ABC28-DF09-4407-B754-F7C4888EB186}" presName="node" presStyleLbl="alignAccFollowNode1" presStyleIdx="14" presStyleCnt="21">
+    <dgm:pt modelId="{58C5311A-45A1-4EF2-8C08-E645B913A2B3}" type="pres">
+      <dgm:prSet presAssocID="{C0185B98-C298-483E-A4B2-0C2AA3160860}" presName="node" presStyleLbl="alignAccFollowNode1" presStyleIdx="14" presStyleCnt="21">
         <dgm:presLayoutVars>
           <dgm:bulletEnabled val="1"/>
         </dgm:presLayoutVars>
       </dgm:prSet>
       <dgm:spPr/>
     </dgm:pt>
-    <dgm:pt modelId="{8861F10F-C91F-4305-B35D-BC280AE7BC7F}" type="pres">
-      <dgm:prSet presAssocID="{B46DDE6E-5041-460B-80B6-9EF52A861C58}" presName="sibTrans" presStyleCnt="0"/>
+    <dgm:pt modelId="{49BB4A8D-2B86-4390-8739-BCBB49E4A53B}" type="pres">
+      <dgm:prSet presAssocID="{5C56806D-5F48-4238-99A0-6E0326ED8F0E}" presName="sibTrans" presStyleCnt="0"/>
       <dgm:spPr/>
     </dgm:pt>
-    <dgm:pt modelId="{58C5311A-45A1-4EF2-8C08-E645B913A2B3}" type="pres">
-      <dgm:prSet presAssocID="{C0185B98-C298-483E-A4B2-0C2AA3160860}" presName="node" presStyleLbl="alignAccFollowNode1" presStyleIdx="15" presStyleCnt="21">
+    <dgm:pt modelId="{5FEC19A5-2A22-44A5-AB9D-83DBD3306719}" type="pres">
+      <dgm:prSet presAssocID="{FC314D40-E589-4563-B38D-11BDD50E6398}" presName="node" presStyleLbl="alignAccFollowNode1" presStyleIdx="15" presStyleCnt="21">
         <dgm:presLayoutVars>
           <dgm:bulletEnabled val="1"/>
         </dgm:presLayoutVars>
       </dgm:prSet>
       <dgm:spPr/>
     </dgm:pt>
-    <dgm:pt modelId="{49BB4A8D-2B86-4390-8739-BCBB49E4A53B}" type="pres">
-      <dgm:prSet presAssocID="{5C56806D-5F48-4238-99A0-6E0326ED8F0E}" presName="sibTrans" presStyleCnt="0"/>
+    <dgm:pt modelId="{251D693D-00AF-4249-AF1B-72978FA50A0E}" type="pres">
+      <dgm:prSet presAssocID="{DF17D0BE-ADDC-496D-A107-022DCFD348AA}" presName="sibTrans" presStyleCnt="0"/>
       <dgm:spPr/>
     </dgm:pt>
     <dgm:pt modelId="{F7B8B05F-3D8B-44E8-B51D-61114CF75529}" type="pres">
@@ -2767,15 +2783,18 @@
   <dgm:cxnLst>
     <dgm:cxn modelId="{F188DF07-7503-4FF6-BFAA-35FF546A7863}" type="presOf" srcId="{7B2ED6FA-33F3-4D30-8591-80E57EB02B4C}" destId="{FC11D80F-62EA-47E5-9745-6FADE959A8A2}" srcOrd="0" destOrd="0" presId="urn:microsoft.com/office/officeart/2005/8/layout/lProcess3"/>
     <dgm:cxn modelId="{BEA4030D-858C-4AA0-A9E8-894598F32247}" type="presOf" srcId="{F5A0E9C1-5042-4B98-93BD-9C7479EE8DD7}" destId="{D3603AAD-4EF6-4575-95B4-3F298466D9A5}" srcOrd="0" destOrd="0" presId="urn:microsoft.com/office/officeart/2005/8/layout/lProcess3"/>
+    <dgm:cxn modelId="{2FA9342D-1AB8-4D19-996F-D7D2C9A4A014}" srcId="{A9830440-BFF9-4BD9-A65E-D3CEA4F787B0}" destId="{FC314D40-E589-4563-B38D-11BDD50E6398}" srcOrd="1" destOrd="0" parTransId="{FA1435E0-F4F9-451F-9B33-E4B1CE7D23E0}" sibTransId="{DF17D0BE-ADDC-496D-A107-022DCFD348AA}"/>
     <dgm:cxn modelId="{2E0A6C30-2105-439B-A211-7E7A3D587636}" type="presOf" srcId="{104B4C5A-685A-425A-A48A-415B873620B6}" destId="{A6CDD180-BDBF-4C84-B126-FD3F11A6B565}" srcOrd="0" destOrd="0" presId="urn:microsoft.com/office/officeart/2005/8/layout/lProcess3"/>
     <dgm:cxn modelId="{7A17E833-C318-4768-9396-2D06D83C6A47}" srcId="{AE2DEAF1-3072-4B4A-A46A-6DDFEB6557E2}" destId="{D2EE032F-38BA-47B5-B48B-9180F16A10D9}" srcOrd="2" destOrd="0" parTransId="{A32657EF-9752-4597-BC36-9F3312EBBE46}" sibTransId="{738534B6-71AA-402A-863B-8B28178D50DC}"/>
     <dgm:cxn modelId="{8D847B34-331C-4287-AF74-0A4D07F55C1D}" srcId="{AE2DEAF1-3072-4B4A-A46A-6DDFEB6557E2}" destId="{7B2ED6FA-33F3-4D30-8591-80E57EB02B4C}" srcOrd="4" destOrd="0" parTransId="{1DCE4F6C-10E9-4E21-9063-B7810925B271}" sibTransId="{B1895008-DBEE-4F97-A267-C71EF0C2E5EC}"/>
+    <dgm:cxn modelId="{4F3B8F3C-38B2-46F6-AED9-8CB03178BFEB}" srcId="{8F5E6C3E-DF7E-4218-B19C-DACB58C59343}" destId="{8772CF65-E75F-4E8B-8999-7657101ED792}" srcOrd="5" destOrd="0" parTransId="{20F68E06-586E-4CCE-BDA8-19F8B5B2A1BF}" sibTransId="{403BA809-72BA-4248-ACE8-1C9CF71781D8}"/>
     <dgm:cxn modelId="{2F9B1F62-8979-4AC8-83DB-7D1A4C21CE67}" srcId="{8F5E6C3E-DF7E-4218-B19C-DACB58C59343}" destId="{7BF89955-FE97-4958-9E75-6A825ECD0C82}" srcOrd="4" destOrd="0" parTransId="{B6D1FBD6-702A-49EE-92E0-EA23F39B4A81}" sibTransId="{3A006348-C24A-4F99-B211-12F4EC4BAAFD}"/>
     <dgm:cxn modelId="{8A23FB64-903E-4E34-990C-3CE2DA620E4F}" type="presOf" srcId="{6152234C-3BFC-4E5C-9556-6A89EC58F067}" destId="{F27C975C-404C-4F12-BA6A-BAE5D0552B53}" srcOrd="0" destOrd="0" presId="urn:microsoft.com/office/officeart/2005/8/layout/lProcess3"/>
     <dgm:cxn modelId="{DA37FD64-E43D-4D8B-BFD5-824FA69795C1}" srcId="{A9830440-BFF9-4BD9-A65E-D3CEA4F787B0}" destId="{104B4C5A-685A-425A-A48A-415B873620B6}" srcOrd="6" destOrd="0" parTransId="{E0A4FF3C-25D6-4409-A8CA-D89023408134}" sibTransId="{618091DD-E11A-4F52-868B-BFFAA299E027}"/>
     <dgm:cxn modelId="{DBA6FF66-1865-45CC-8CD5-B883CA542152}" srcId="{A9830440-BFF9-4BD9-A65E-D3CEA4F787B0}" destId="{8F1E22AB-1F3C-413C-B1E5-25D67F34567C}" srcOrd="2" destOrd="0" parTransId="{D8043DD5-7BEE-4818-9456-139475DBEB50}" sibTransId="{4A455EC9-EB71-4D64-AC75-B53020A27A91}"/>
     <dgm:cxn modelId="{0EC09849-870A-4E1F-98D0-E3171FE2B70B}" srcId="{AE2DEAF1-3072-4B4A-A46A-6DDFEB6557E2}" destId="{35FD88A9-43DE-4840-A9DB-99633F179E04}" srcOrd="1" destOrd="0" parTransId="{1748BD28-66B7-4D50-8280-EF7F2327AF20}" sibTransId="{25B7FFD2-24E5-4E00-ABF1-1327436F556C}"/>
-    <dgm:cxn modelId="{E10B0D4C-ED5E-47A4-8FC0-E613E7BA6E8B}" srcId="{A9830440-BFF9-4BD9-A65E-D3CEA4F787B0}" destId="{FE9ABC28-DF09-4407-B754-F7C4888EB186}" srcOrd="0" destOrd="0" parTransId="{9F746F96-1E8C-4DA4-88AB-35557DB88997}" sibTransId="{B46DDE6E-5041-460B-80B6-9EF52A861C58}"/>
+    <dgm:cxn modelId="{DB790A6B-72BC-42A6-8C98-541939D7EF2B}" type="presOf" srcId="{8772CF65-E75F-4E8B-8999-7657101ED792}" destId="{16E0C869-567E-4B1B-8376-8111A2D28325}" srcOrd="0" destOrd="0" presId="urn:microsoft.com/office/officeart/2005/8/layout/lProcess3"/>
+    <dgm:cxn modelId="{8538FF4B-E02B-4A0E-A898-DDD91B2BEAD3}" type="presOf" srcId="{FC314D40-E589-4563-B38D-11BDD50E6398}" destId="{5FEC19A5-2A22-44A5-AB9D-83DBD3306719}" srcOrd="0" destOrd="0" presId="urn:microsoft.com/office/officeart/2005/8/layout/lProcess3"/>
     <dgm:cxn modelId="{EEB2E051-4E8C-45BF-B5ED-22606694B331}" srcId="{A9830440-BFF9-4BD9-A65E-D3CEA4F787B0}" destId="{723E57EF-E3DA-4B25-89A4-575F8F4E2A38}" srcOrd="5" destOrd="0" parTransId="{987616AE-5D60-42FD-AFD6-9A5529FCCF74}" sibTransId="{B0EAD2B4-2E22-40CF-869B-2C0DB4EDADDE}"/>
     <dgm:cxn modelId="{4EC87F57-42C3-418B-9530-4E6D959BBF7E}" type="presOf" srcId="{DF9EBF9E-3B01-4453-BF97-0C1A0AFC7D12}" destId="{821957E7-CC0F-432E-AE72-662A0E807F92}" srcOrd="0" destOrd="0" presId="urn:microsoft.com/office/officeart/2005/8/layout/lProcess3"/>
     <dgm:cxn modelId="{9C5C9358-24CA-423D-9677-BE5B2FC27807}" type="presOf" srcId="{C0185B98-C298-483E-A4B2-0C2AA3160860}" destId="{58C5311A-45A1-4EF2-8C08-E645B913A2B3}" srcOrd="0" destOrd="0" presId="urn:microsoft.com/office/officeart/2005/8/layout/lProcess3"/>
@@ -2790,23 +2809,20 @@
     <dgm:cxn modelId="{12348F9C-C27A-44E3-86CF-5C38271ACEE3}" srcId="{429B2188-37BD-44AA-9F2F-146BFBDEE009}" destId="{A9830440-BFF9-4BD9-A65E-D3CEA4F787B0}" srcOrd="2" destOrd="0" parTransId="{4F7271A0-5283-424C-BC60-3E15FD2F0BC6}" sibTransId="{CB6B5A01-59A0-4E5A-B81A-C0DC8125CCED}"/>
     <dgm:cxn modelId="{8AAE80AA-4805-488D-BEDA-831656FF0A6D}" type="presOf" srcId="{6854C5E9-72A5-4509-88B2-ECE170FB0FD7}" destId="{060D761D-9928-4D20-8332-1A5AC0526D6E}" srcOrd="0" destOrd="0" presId="urn:microsoft.com/office/officeart/2005/8/layout/lProcess3"/>
     <dgm:cxn modelId="{649014AB-00D0-49E9-8B87-C0AA8733EB5A}" srcId="{8F5E6C3E-DF7E-4218-B19C-DACB58C59343}" destId="{67F6E7AE-FAD7-4A23-ADF8-8AC8EF4EDC8B}" srcOrd="3" destOrd="0" parTransId="{21459D5A-C4AC-44EB-92D8-31BEE564BDB7}" sibTransId="{33F0DFE7-5856-47C8-9FD1-4D079E989593}"/>
-    <dgm:cxn modelId="{240243AD-45B5-4A95-A123-62A435EC896B}" srcId="{8F5E6C3E-DF7E-4218-B19C-DACB58C59343}" destId="{5EE723C8-DE26-4C84-8D4D-163EEB2A66DE}" srcOrd="6" destOrd="0" parTransId="{574B3AA6-27AB-464C-8554-ED9F7B719FF9}" sibTransId="{0625D540-714D-4742-9306-562284278D4F}"/>
     <dgm:cxn modelId="{9335CFB2-1597-4CF4-AE7D-3E8376B842D1}" type="presOf" srcId="{31A78AE2-2967-4B7B-A416-9055CC7C3372}" destId="{633D2628-E9C2-40D0-B438-E0B3F95A2DEB}" srcOrd="0" destOrd="0" presId="urn:microsoft.com/office/officeart/2005/8/layout/lProcess3"/>
     <dgm:cxn modelId="{35EA83B3-E23F-4248-94DE-6A90FA74B9E9}" type="presOf" srcId="{72AD0DAD-4576-4278-ACAB-B80B677DD491}" destId="{AE74041F-C419-41C5-A5C2-CBA8AF2A0C5A}" srcOrd="0" destOrd="0" presId="urn:microsoft.com/office/officeart/2005/8/layout/lProcess3"/>
     <dgm:cxn modelId="{7EBC66C0-FB76-483F-A73B-0501BF9E9EDC}" srcId="{A9830440-BFF9-4BD9-A65E-D3CEA4F787B0}" destId="{31A78AE2-2967-4B7B-A416-9055CC7C3372}" srcOrd="4" destOrd="0" parTransId="{7A97DA8F-9E16-4B52-B726-C5CA2996BAFB}" sibTransId="{89917628-165F-4630-AC4E-D4662A14E2B6}"/>
     <dgm:cxn modelId="{B6EB0AC1-0D03-408E-BB33-C2F90F7DED48}" type="presOf" srcId="{35FD88A9-43DE-4840-A9DB-99633F179E04}" destId="{12A0A505-0F46-42C7-8E35-30BA4606B58D}" srcOrd="0" destOrd="0" presId="urn:microsoft.com/office/officeart/2005/8/layout/lProcess3"/>
     <dgm:cxn modelId="{62A474C2-BCF7-40FE-89D3-90B660981E8C}" type="presOf" srcId="{13A8E16B-5B2D-485C-8D6B-55A75345427C}" destId="{BF7AB3A2-B79B-4348-B4C7-0D73F268A745}" srcOrd="0" destOrd="0" presId="urn:microsoft.com/office/officeart/2005/8/layout/lProcess3"/>
     <dgm:cxn modelId="{25C97FC8-3649-40C5-A21B-1273D4E7F1AB}" srcId="{429B2188-37BD-44AA-9F2F-146BFBDEE009}" destId="{AE2DEAF1-3072-4B4A-A46A-6DDFEB6557E2}" srcOrd="1" destOrd="0" parTransId="{152F8554-E6E5-4D90-B75F-48AB896CE93E}" sibTransId="{B0BD6215-47CD-4984-9C89-B18FAD524CF8}"/>
-    <dgm:cxn modelId="{39C761CC-6663-42F8-A5B4-E5330697233E}" type="presOf" srcId="{FE9ABC28-DF09-4407-B754-F7C4888EB186}" destId="{6259C32C-2377-4CC5-984F-9A59AEFD8B8E}" srcOrd="0" destOrd="0" presId="urn:microsoft.com/office/officeart/2005/8/layout/lProcess3"/>
     <dgm:cxn modelId="{46FA22CD-3457-44C8-8030-0D9D64A74E53}" type="presOf" srcId="{7BF89955-FE97-4958-9E75-6A825ECD0C82}" destId="{2C43EF9B-8DDE-401F-97CF-15E759BA1A0D}" srcOrd="0" destOrd="0" presId="urn:microsoft.com/office/officeart/2005/8/layout/lProcess3"/>
     <dgm:cxn modelId="{876A47D3-2F8E-4CB5-8B94-73762C28A722}" type="presOf" srcId="{67F6E7AE-FAD7-4A23-ADF8-8AC8EF4EDC8B}" destId="{F3B403AD-7384-4F02-A974-7B53FB91D6C1}" srcOrd="0" destOrd="0" presId="urn:microsoft.com/office/officeart/2005/8/layout/lProcess3"/>
-    <dgm:cxn modelId="{A2CB19D8-BE7D-4847-B98C-3AA762DFB814}" srcId="{8F5E6C3E-DF7E-4218-B19C-DACB58C59343}" destId="{DF9EBF9E-3B01-4453-BF97-0C1A0AFC7D12}" srcOrd="5" destOrd="0" parTransId="{1578828F-3646-4E58-B6CA-8DFC25104CB4}" sibTransId="{BD7ACB00-2588-47E2-994C-05C93F66A5DC}"/>
+    <dgm:cxn modelId="{A2CB19D8-BE7D-4847-B98C-3AA762DFB814}" srcId="{8F5E6C3E-DF7E-4218-B19C-DACB58C59343}" destId="{DF9EBF9E-3B01-4453-BF97-0C1A0AFC7D12}" srcOrd="6" destOrd="0" parTransId="{1578828F-3646-4E58-B6CA-8DFC25104CB4}" sibTransId="{BD7ACB00-2588-47E2-994C-05C93F66A5DC}"/>
     <dgm:cxn modelId="{5B4470DA-3A27-4C9F-9AB8-063F4C92487A}" srcId="{AE2DEAF1-3072-4B4A-A46A-6DDFEB6557E2}" destId="{B2E0138C-5CC9-4BBA-A96F-7D7DA8E33484}" srcOrd="3" destOrd="0" parTransId="{F6698923-74AF-4C0A-BAAD-686750772F89}" sibTransId="{92A702CC-CA9A-4D9E-90F8-58F759E09B2A}"/>
     <dgm:cxn modelId="{75A158DE-0FBB-46C6-9F99-8D9DA97ADC15}" srcId="{AE2DEAF1-3072-4B4A-A46A-6DDFEB6557E2}" destId="{6854C5E9-72A5-4509-88B2-ECE170FB0FD7}" srcOrd="6" destOrd="0" parTransId="{EE4D570F-6F11-488C-8E70-6738E2E18246}" sibTransId="{EAAE91D5-F652-4978-93D1-5F886989F8E6}"/>
     <dgm:cxn modelId="{E14F39E0-69F3-4965-B56A-B21DF03F98E9}" srcId="{8F5E6C3E-DF7E-4218-B19C-DACB58C59343}" destId="{13A8E16B-5B2D-485C-8D6B-55A75345427C}" srcOrd="0" destOrd="0" parTransId="{F3B17451-5ECE-4FD7-BA30-114F9DC9F4DE}" sibTransId="{0EEB21FA-C6C2-4E2D-9EEE-59724B055D52}"/>
     <dgm:cxn modelId="{FA1767E1-8D6E-430D-A8F8-E3B626E831A9}" type="presOf" srcId="{429B2188-37BD-44AA-9F2F-146BFBDEE009}" destId="{9D3F1224-7562-4985-9CE1-F0BF6D46F3E4}" srcOrd="0" destOrd="0" presId="urn:microsoft.com/office/officeart/2005/8/layout/lProcess3"/>
-    <dgm:cxn modelId="{405E5AE6-84F8-4524-807C-06DF0B0762EA}" type="presOf" srcId="{5EE723C8-DE26-4C84-8D4D-163EEB2A66DE}" destId="{9608AD94-AA47-4114-841C-5AF780255F64}" srcOrd="0" destOrd="0" presId="urn:microsoft.com/office/officeart/2005/8/layout/lProcess3"/>
-    <dgm:cxn modelId="{579DC2E8-CF03-4A9C-8508-38682CB08397}" srcId="{A9830440-BFF9-4BD9-A65E-D3CEA4F787B0}" destId="{C0185B98-C298-483E-A4B2-0C2AA3160860}" srcOrd="1" destOrd="0" parTransId="{30B547E6-0519-41D1-9AAD-1536210C056D}" sibTransId="{5C56806D-5F48-4238-99A0-6E0326ED8F0E}"/>
+    <dgm:cxn modelId="{579DC2E8-CF03-4A9C-8508-38682CB08397}" srcId="{A9830440-BFF9-4BD9-A65E-D3CEA4F787B0}" destId="{C0185B98-C298-483E-A4B2-0C2AA3160860}" srcOrd="0" destOrd="0" parTransId="{30B547E6-0519-41D1-9AAD-1536210C056D}" sibTransId="{5C56806D-5F48-4238-99A0-6E0326ED8F0E}"/>
     <dgm:cxn modelId="{2ED205F3-2C59-471E-9059-6ABFFD8F51AA}" srcId="{8F5E6C3E-DF7E-4218-B19C-DACB58C59343}" destId="{6152234C-3BFC-4E5C-9556-6A89EC58F067}" srcOrd="2" destOrd="0" parTransId="{F2AD0A34-554D-4717-845D-70A8DD0C0A3E}" sibTransId="{5878BECA-617D-452B-A62B-D808CD087075}"/>
     <dgm:cxn modelId="{0DC67AF4-F05A-4488-98E0-A067283A781E}" type="presOf" srcId="{8F1E22AB-1F3C-413C-B1E5-25D67F34567C}" destId="{F7B8B05F-3D8B-44E8-B51D-61114CF75529}" srcOrd="0" destOrd="0" presId="urn:microsoft.com/office/officeart/2005/8/layout/lProcess3"/>
     <dgm:cxn modelId="{20BAF5F9-1F8A-4E41-8569-EA6A5FA76468}" srcId="{429B2188-37BD-44AA-9F2F-146BFBDEE009}" destId="{8F5E6C3E-DF7E-4218-B19C-DACB58C59343}" srcOrd="0" destOrd="0" parTransId="{0AC7A997-F5D3-4A2A-B525-88FC0118B6E3}" sibTransId="{E2F6CF49-D9F1-4E76-89DB-4E17250FB7EC}"/>
@@ -2827,9 +2843,9 @@
     <dgm:cxn modelId="{850CDDF7-30FE-481C-B3A7-05AB6163654C}" type="presParOf" srcId="{46396984-B1E3-4C8C-BF8A-9EBC25796ED2}" destId="{A4195034-EEDC-4BF9-9AE8-D7CB76DF571D}" srcOrd="9" destOrd="0" presId="urn:microsoft.com/office/officeart/2005/8/layout/lProcess3"/>
     <dgm:cxn modelId="{F6E3912C-01AA-4F3D-A5E3-89B9C0CB0054}" type="presParOf" srcId="{46396984-B1E3-4C8C-BF8A-9EBC25796ED2}" destId="{2C43EF9B-8DDE-401F-97CF-15E759BA1A0D}" srcOrd="10" destOrd="0" presId="urn:microsoft.com/office/officeart/2005/8/layout/lProcess3"/>
     <dgm:cxn modelId="{83992799-E738-4C8A-B3EF-5A6953DE6B21}" type="presParOf" srcId="{46396984-B1E3-4C8C-BF8A-9EBC25796ED2}" destId="{D3AD402D-3034-4988-A68F-8616B009AE7C}" srcOrd="11" destOrd="0" presId="urn:microsoft.com/office/officeart/2005/8/layout/lProcess3"/>
-    <dgm:cxn modelId="{B28BE19C-825D-4A4B-A2DB-88AA1C0E7BD4}" type="presParOf" srcId="{46396984-B1E3-4C8C-BF8A-9EBC25796ED2}" destId="{821957E7-CC0F-432E-AE72-662A0E807F92}" srcOrd="12" destOrd="0" presId="urn:microsoft.com/office/officeart/2005/8/layout/lProcess3"/>
-    <dgm:cxn modelId="{5CC13166-3BEE-4637-833B-1A479EAC3F3C}" type="presParOf" srcId="{46396984-B1E3-4C8C-BF8A-9EBC25796ED2}" destId="{D91BCC34-214D-4F48-B5E5-4BD46A013447}" srcOrd="13" destOrd="0" presId="urn:microsoft.com/office/officeart/2005/8/layout/lProcess3"/>
-    <dgm:cxn modelId="{2509DB7F-91AD-4570-85B9-EBB0EA3FEA3D}" type="presParOf" srcId="{46396984-B1E3-4C8C-BF8A-9EBC25796ED2}" destId="{9608AD94-AA47-4114-841C-5AF780255F64}" srcOrd="14" destOrd="0" presId="urn:microsoft.com/office/officeart/2005/8/layout/lProcess3"/>
+    <dgm:cxn modelId="{9638D9B0-644D-46C3-A00E-C30185025268}" type="presParOf" srcId="{46396984-B1E3-4C8C-BF8A-9EBC25796ED2}" destId="{16E0C869-567E-4B1B-8376-8111A2D28325}" srcOrd="12" destOrd="0" presId="urn:microsoft.com/office/officeart/2005/8/layout/lProcess3"/>
+    <dgm:cxn modelId="{2FECF9E9-B1D4-4F53-BE78-3ACA2918BDF6}" type="presParOf" srcId="{46396984-B1E3-4C8C-BF8A-9EBC25796ED2}" destId="{F64B094C-3C8A-497E-83C5-B4213E12C194}" srcOrd="13" destOrd="0" presId="urn:microsoft.com/office/officeart/2005/8/layout/lProcess3"/>
+    <dgm:cxn modelId="{B28BE19C-825D-4A4B-A2DB-88AA1C0E7BD4}" type="presParOf" srcId="{46396984-B1E3-4C8C-BF8A-9EBC25796ED2}" destId="{821957E7-CC0F-432E-AE72-662A0E807F92}" srcOrd="14" destOrd="0" presId="urn:microsoft.com/office/officeart/2005/8/layout/lProcess3"/>
     <dgm:cxn modelId="{34E235FF-030B-4CFC-A1E8-BFE797038EC8}" type="presParOf" srcId="{9D3F1224-7562-4985-9CE1-F0BF6D46F3E4}" destId="{1E03CB45-E9ED-4DBE-8264-7B2ACEDF80F5}" srcOrd="1" destOrd="0" presId="urn:microsoft.com/office/officeart/2005/8/layout/lProcess3"/>
     <dgm:cxn modelId="{A67EB342-8B21-4834-97AD-496B7F82DECD}" type="presParOf" srcId="{9D3F1224-7562-4985-9CE1-F0BF6D46F3E4}" destId="{4134990B-E764-45A8-AD43-0338F5BDF4FC}" srcOrd="2" destOrd="0" presId="urn:microsoft.com/office/officeart/2005/8/layout/lProcess3"/>
     <dgm:cxn modelId="{A083C232-6061-4812-B092-92843F4C49FC}" type="presParOf" srcId="{4134990B-E764-45A8-AD43-0338F5BDF4FC}" destId="{F5DE994E-B2D2-4AF7-A238-72A53E4AA681}" srcOrd="0" destOrd="0" presId="urn:microsoft.com/office/officeart/2005/8/layout/lProcess3"/>
@@ -2850,11 +2866,11 @@
     <dgm:cxn modelId="{5B463600-78DD-4215-8028-7C983E44E08F}" type="presParOf" srcId="{9D3F1224-7562-4985-9CE1-F0BF6D46F3E4}" destId="{62E81C6C-34A7-474B-8228-6704ECBDD13C}" srcOrd="3" destOrd="0" presId="urn:microsoft.com/office/officeart/2005/8/layout/lProcess3"/>
     <dgm:cxn modelId="{A288F5BC-2024-4FF7-AAC2-123373FB0586}" type="presParOf" srcId="{9D3F1224-7562-4985-9CE1-F0BF6D46F3E4}" destId="{4F3DF368-6A59-4FA4-8B72-777A555C3851}" srcOrd="4" destOrd="0" presId="urn:microsoft.com/office/officeart/2005/8/layout/lProcess3"/>
     <dgm:cxn modelId="{63B19D4C-FB59-46D6-8AA4-EAE8583790D7}" type="presParOf" srcId="{4F3DF368-6A59-4FA4-8B72-777A555C3851}" destId="{8391D763-94D9-4230-8437-B1EF13D1DEE5}" srcOrd="0" destOrd="0" presId="urn:microsoft.com/office/officeart/2005/8/layout/lProcess3"/>
-    <dgm:cxn modelId="{1622128E-4B2E-4BFC-94D4-DEDEB1432091}" type="presParOf" srcId="{4F3DF368-6A59-4FA4-8B72-777A555C3851}" destId="{F582B2CF-0D0E-4528-9ECD-C19DA5CAEFFE}" srcOrd="1" destOrd="0" presId="urn:microsoft.com/office/officeart/2005/8/layout/lProcess3"/>
-    <dgm:cxn modelId="{C2E45FFB-4513-44ED-924E-19DC9E3E96DB}" type="presParOf" srcId="{4F3DF368-6A59-4FA4-8B72-777A555C3851}" destId="{6259C32C-2377-4CC5-984F-9A59AEFD8B8E}" srcOrd="2" destOrd="0" presId="urn:microsoft.com/office/officeart/2005/8/layout/lProcess3"/>
-    <dgm:cxn modelId="{80D5F3F4-8F8A-4968-95E6-0BB6D2284F76}" type="presParOf" srcId="{4F3DF368-6A59-4FA4-8B72-777A555C3851}" destId="{8861F10F-C91F-4305-B35D-BC280AE7BC7F}" srcOrd="3" destOrd="0" presId="urn:microsoft.com/office/officeart/2005/8/layout/lProcess3"/>
-    <dgm:cxn modelId="{46EE0CCA-151E-460E-8416-FB80DFAF0284}" type="presParOf" srcId="{4F3DF368-6A59-4FA4-8B72-777A555C3851}" destId="{58C5311A-45A1-4EF2-8C08-E645B913A2B3}" srcOrd="4" destOrd="0" presId="urn:microsoft.com/office/officeart/2005/8/layout/lProcess3"/>
-    <dgm:cxn modelId="{06EA480F-EC97-4E95-B324-6DC27D8240B8}" type="presParOf" srcId="{4F3DF368-6A59-4FA4-8B72-777A555C3851}" destId="{49BB4A8D-2B86-4390-8739-BCBB49E4A53B}" srcOrd="5" destOrd="0" presId="urn:microsoft.com/office/officeart/2005/8/layout/lProcess3"/>
+    <dgm:cxn modelId="{A59B029B-67C8-4464-90D5-1D77084ADD01}" type="presParOf" srcId="{4F3DF368-6A59-4FA4-8B72-777A555C3851}" destId="{91750DA6-C551-4D97-94BA-22C48267F292}" srcOrd="1" destOrd="0" presId="urn:microsoft.com/office/officeart/2005/8/layout/lProcess3"/>
+    <dgm:cxn modelId="{46EE0CCA-151E-460E-8416-FB80DFAF0284}" type="presParOf" srcId="{4F3DF368-6A59-4FA4-8B72-777A555C3851}" destId="{58C5311A-45A1-4EF2-8C08-E645B913A2B3}" srcOrd="2" destOrd="0" presId="urn:microsoft.com/office/officeart/2005/8/layout/lProcess3"/>
+    <dgm:cxn modelId="{06EA480F-EC97-4E95-B324-6DC27D8240B8}" type="presParOf" srcId="{4F3DF368-6A59-4FA4-8B72-777A555C3851}" destId="{49BB4A8D-2B86-4390-8739-BCBB49E4A53B}" srcOrd="3" destOrd="0" presId="urn:microsoft.com/office/officeart/2005/8/layout/lProcess3"/>
+    <dgm:cxn modelId="{2BCF1881-3564-4D16-9C81-369118CA2C52}" type="presParOf" srcId="{4F3DF368-6A59-4FA4-8B72-777A555C3851}" destId="{5FEC19A5-2A22-44A5-AB9D-83DBD3306719}" srcOrd="4" destOrd="0" presId="urn:microsoft.com/office/officeart/2005/8/layout/lProcess3"/>
+    <dgm:cxn modelId="{CF14DC81-4A16-44FB-B9CD-3439B0C6CAF6}" type="presParOf" srcId="{4F3DF368-6A59-4FA4-8B72-777A555C3851}" destId="{251D693D-00AF-4249-AF1B-72978FA50A0E}" srcOrd="5" destOrd="0" presId="urn:microsoft.com/office/officeart/2005/8/layout/lProcess3"/>
     <dgm:cxn modelId="{A7A72BBD-8594-4610-A38D-C6E04CC2D4DF}" type="presParOf" srcId="{4F3DF368-6A59-4FA4-8B72-777A555C3851}" destId="{F7B8B05F-3D8B-44E8-B51D-61114CF75529}" srcOrd="6" destOrd="0" presId="urn:microsoft.com/office/officeart/2005/8/layout/lProcess3"/>
     <dgm:cxn modelId="{A9E7A41E-635C-447A-887E-C356FCFB69C2}" type="presParOf" srcId="{4F3DF368-6A59-4FA4-8B72-777A555C3851}" destId="{7E3EFFDD-D5FF-4667-A560-3A3F719DBE92}" srcOrd="7" destOrd="0" presId="urn:microsoft.com/office/officeart/2005/8/layout/lProcess3"/>
     <dgm:cxn modelId="{6646484A-BDB6-440A-B9EA-EE5C60BF3F5E}" type="presParOf" srcId="{4F3DF368-6A59-4FA4-8B72-777A555C3851}" destId="{11696550-DEC4-4D28-8341-C923D49260AC}" srcOrd="8" destOrd="0" presId="urn:microsoft.com/office/officeart/2005/8/layout/lProcess3"/>
@@ -2890,8 +2906,8 @@
       </dsp:nvSpPr>
       <dsp:spPr>
         <a:xfrm>
-          <a:off x="4859" y="854033"/>
-          <a:ext cx="1765658" cy="706263"/>
+          <a:off x="5486" y="666773"/>
+          <a:ext cx="1993598" cy="797439"/>
         </a:xfrm>
         <a:prstGeom prst="homePlate">
           <a:avLst/>
@@ -2949,8 +2965,8 @@
         </a:p>
       </dsp:txBody>
       <dsp:txXfrm>
-        <a:off x="4859" y="854033"/>
-        <a:ext cx="1589092" cy="706263"/>
+        <a:off x="5486" y="666773"/>
+        <a:ext cx="1794238" cy="797439"/>
       </dsp:txXfrm>
     </dsp:sp>
     <dsp:sp modelId="{BF7AB3A2-B79B-4348-B4C7-0D73F268A745}">
@@ -2960,8 +2976,8 @@
       </dsp:nvSpPr>
       <dsp:spPr>
         <a:xfrm>
-          <a:off x="1540981" y="914066"/>
-          <a:ext cx="1465496" cy="586198"/>
+          <a:off x="1739916" y="734555"/>
+          <a:ext cx="1654686" cy="661874"/>
         </a:xfrm>
         <a:prstGeom prst="chevron">
           <a:avLst/>
@@ -3039,8 +3055,8 @@
         </a:p>
       </dsp:txBody>
       <dsp:txXfrm>
-        <a:off x="1834080" y="914066"/>
-        <a:ext cx="879298" cy="586198"/>
+        <a:off x="2070853" y="734555"/>
+        <a:ext cx="992812" cy="661874"/>
       </dsp:txXfrm>
     </dsp:sp>
     <dsp:sp modelId="{267AEF6D-D577-46FA-A2D2-9E66715003F2}">
@@ -3050,8 +3066,8 @@
       </dsp:nvSpPr>
       <dsp:spPr>
         <a:xfrm>
-          <a:off x="2801308" y="914066"/>
-          <a:ext cx="1465496" cy="586198"/>
+          <a:off x="3162947" y="734555"/>
+          <a:ext cx="1654686" cy="661874"/>
         </a:xfrm>
         <a:prstGeom prst="chevron">
           <a:avLst/>
@@ -3106,8 +3122,8 @@
         </a:p>
       </dsp:txBody>
       <dsp:txXfrm>
-        <a:off x="3094407" y="914066"/>
-        <a:ext cx="879298" cy="586198"/>
+        <a:off x="3493884" y="734555"/>
+        <a:ext cx="992812" cy="661874"/>
       </dsp:txXfrm>
     </dsp:sp>
     <dsp:sp modelId="{F27C975C-404C-4F12-BA6A-BAE5D0552B53}">
@@ -3117,8 +3133,8 @@
       </dsp:nvSpPr>
       <dsp:spPr>
         <a:xfrm>
-          <a:off x="4061635" y="914066"/>
-          <a:ext cx="1465496" cy="586198"/>
+          <a:off x="4585977" y="734555"/>
+          <a:ext cx="1654686" cy="661874"/>
         </a:xfrm>
         <a:prstGeom prst="chevron">
           <a:avLst/>
@@ -3173,8 +3189,8 @@
         </a:p>
       </dsp:txBody>
       <dsp:txXfrm>
-        <a:off x="4354734" y="914066"/>
-        <a:ext cx="879298" cy="586198"/>
+        <a:off x="4916914" y="734555"/>
+        <a:ext cx="992812" cy="661874"/>
       </dsp:txXfrm>
     </dsp:sp>
     <dsp:sp modelId="{F3B403AD-7384-4F02-A974-7B53FB91D6C1}">
@@ -3184,8 +3200,8 @@
       </dsp:nvSpPr>
       <dsp:spPr>
         <a:xfrm>
-          <a:off x="5321962" y="914066"/>
-          <a:ext cx="1465496" cy="586198"/>
+          <a:off x="6009007" y="734555"/>
+          <a:ext cx="1654686" cy="661874"/>
         </a:xfrm>
         <a:prstGeom prst="chevron">
           <a:avLst/>
@@ -3238,8 +3254,8 @@
         </a:p>
       </dsp:txBody>
       <dsp:txXfrm>
-        <a:off x="5615061" y="914066"/>
-        <a:ext cx="879298" cy="586198"/>
+        <a:off x="6339944" y="734555"/>
+        <a:ext cx="992812" cy="661874"/>
       </dsp:txXfrm>
     </dsp:sp>
     <dsp:sp modelId="{2C43EF9B-8DDE-401F-97CF-15E759BA1A0D}">
@@ -3249,8 +3265,8 @@
       </dsp:nvSpPr>
       <dsp:spPr>
         <a:xfrm>
-          <a:off x="6582288" y="914066"/>
-          <a:ext cx="1465496" cy="586198"/>
+          <a:off x="7432038" y="734555"/>
+          <a:ext cx="1654686" cy="661874"/>
         </a:xfrm>
         <a:prstGeom prst="chevron">
           <a:avLst/>
@@ -3305,8 +3321,76 @@
         </a:p>
       </dsp:txBody>
       <dsp:txXfrm>
-        <a:off x="6875387" y="914066"/>
-        <a:ext cx="879298" cy="586198"/>
+        <a:off x="7762975" y="734555"/>
+        <a:ext cx="992812" cy="661874"/>
+      </dsp:txXfrm>
+    </dsp:sp>
+    <dsp:sp modelId="{16E0C869-567E-4B1B-8376-8111A2D28325}">
+      <dsp:nvSpPr>
+        <dsp:cNvPr id="0" name=""/>
+        <dsp:cNvSpPr/>
+      </dsp:nvSpPr>
+      <dsp:spPr>
+        <a:xfrm>
+          <a:off x="8855068" y="734555"/>
+          <a:ext cx="1654686" cy="661874"/>
+        </a:xfrm>
+        <a:prstGeom prst="chevron">
+          <a:avLst/>
+        </a:prstGeom>
+        <a:solidFill>
+          <a:schemeClr val="accent3"/>
+        </a:solidFill>
+        <a:ln w="12700" cap="flat" cmpd="sng" algn="ctr">
+          <a:solidFill>
+            <a:schemeClr val="tx1"/>
+          </a:solidFill>
+          <a:prstDash val="solid"/>
+          <a:miter lim="800000"/>
+        </a:ln>
+        <a:effectLst/>
+      </dsp:spPr>
+      <dsp:style>
+        <a:lnRef idx="2">
+          <a:schemeClr val="dk1"/>
+        </a:lnRef>
+        <a:fillRef idx="1">
+          <a:schemeClr val="lt1"/>
+        </a:fillRef>
+        <a:effectRef idx="0">
+          <a:schemeClr val="dk1"/>
+        </a:effectRef>
+        <a:fontRef idx="minor">
+          <a:schemeClr val="dk1"/>
+        </a:fontRef>
+      </dsp:style>
+      <dsp:txBody>
+        <a:bodyPr spcFirstLastPara="0" vert="horz" wrap="square" lIns="16510" tIns="8255" rIns="0" bIns="8255" numCol="1" spcCol="1270" anchor="ctr" anchorCtr="0">
+          <a:noAutofit/>
+        </a:bodyPr>
+        <a:lstStyle/>
+        <a:p>
+          <a:pPr marL="0" lvl="0" indent="0" algn="ctr" defTabSz="577850" latinLnBrk="1">
+            <a:lnSpc>
+              <a:spcPct val="90000"/>
+            </a:lnSpc>
+            <a:spcBef>
+              <a:spcPct val="0"/>
+            </a:spcBef>
+            <a:spcAft>
+              <a:spcPct val="35000"/>
+            </a:spcAft>
+            <a:buNone/>
+          </a:pPr>
+          <a:r>
+            <a:rPr lang="ko-KR" altLang="en-US" sz="1300" b="1" kern="1200" dirty="0"/>
+            <a:t>인증서등록</a:t>
+          </a:r>
+        </a:p>
+      </dsp:txBody>
+      <dsp:txXfrm>
+        <a:off x="9186005" y="734555"/>
+        <a:ext cx="992812" cy="661874"/>
       </dsp:txXfrm>
     </dsp:sp>
     <dsp:sp modelId="{821957E7-CC0F-432E-AE72-662A0E807F92}">
@@ -3316,8 +3400,8 @@
       </dsp:nvSpPr>
       <dsp:spPr>
         <a:xfrm>
-          <a:off x="7842615" y="914066"/>
-          <a:ext cx="1465496" cy="586198"/>
+          <a:off x="10278099" y="734555"/>
+          <a:ext cx="1654686" cy="661874"/>
         </a:xfrm>
         <a:prstGeom prst="chevron">
           <a:avLst/>
@@ -3372,75 +3456,8 @@
         </a:p>
       </dsp:txBody>
       <dsp:txXfrm>
-        <a:off x="8135714" y="914066"/>
-        <a:ext cx="879298" cy="586198"/>
-      </dsp:txXfrm>
-    </dsp:sp>
-    <dsp:sp modelId="{9608AD94-AA47-4114-841C-5AF780255F64}">
-      <dsp:nvSpPr>
-        <dsp:cNvPr id="0" name=""/>
-        <dsp:cNvSpPr/>
-      </dsp:nvSpPr>
-      <dsp:spPr>
-        <a:xfrm>
-          <a:off x="9102942" y="914066"/>
-          <a:ext cx="1465496" cy="586198"/>
-        </a:xfrm>
-        <a:prstGeom prst="chevron">
-          <a:avLst/>
-        </a:prstGeom>
-        <a:solidFill>
-          <a:schemeClr val="bg1"/>
-        </a:solidFill>
-        <a:ln w="12700" cap="flat" cmpd="sng" algn="ctr">
-          <a:solidFill>
-            <a:schemeClr val="bg1"/>
-          </a:solidFill>
-          <a:prstDash val="solid"/>
-          <a:miter lim="800000"/>
-        </a:ln>
-        <a:effectLst/>
-      </dsp:spPr>
-      <dsp:style>
-        <a:lnRef idx="2">
-          <a:schemeClr val="accent3">
-            <a:shade val="50000"/>
-          </a:schemeClr>
-        </a:lnRef>
-        <a:fillRef idx="1">
-          <a:schemeClr val="accent3"/>
-        </a:fillRef>
-        <a:effectRef idx="0">
-          <a:schemeClr val="accent3"/>
-        </a:effectRef>
-        <a:fontRef idx="minor">
-          <a:schemeClr val="lt1"/>
-        </a:fontRef>
-      </dsp:style>
-      <dsp:txBody>
-        <a:bodyPr spcFirstLastPara="0" vert="horz" wrap="square" lIns="16510" tIns="8255" rIns="0" bIns="8255" numCol="1" spcCol="1270" anchor="ctr" anchorCtr="0">
-          <a:noAutofit/>
-        </a:bodyPr>
-        <a:lstStyle/>
-        <a:p>
-          <a:pPr marL="0" lvl="0" indent="0" algn="ctr" defTabSz="577850" latinLnBrk="1">
-            <a:lnSpc>
-              <a:spcPct val="90000"/>
-            </a:lnSpc>
-            <a:spcBef>
-              <a:spcPct val="0"/>
-            </a:spcBef>
-            <a:spcAft>
-              <a:spcPct val="35000"/>
-            </a:spcAft>
-            <a:buNone/>
-          </a:pPr>
-          <a:endParaRPr lang="ko-KR" altLang="en-US" sz="1300" b="0" kern="1200" dirty="0"/>
-        </a:p>
-      </dsp:txBody>
-      <dsp:txXfrm>
-        <a:off x="9396041" y="914066"/>
-        <a:ext cx="879298" cy="586198"/>
+        <a:off x="10609036" y="734555"/>
+        <a:ext cx="992812" cy="661874"/>
       </dsp:txXfrm>
     </dsp:sp>
     <dsp:sp modelId="{F5DE994E-B2D2-4AF7-A238-72A53E4AA681}">
@@ -3450,8 +3467,8 @@
       </dsp:nvSpPr>
       <dsp:spPr>
         <a:xfrm>
-          <a:off x="4859" y="1659173"/>
-          <a:ext cx="1765658" cy="706263"/>
+          <a:off x="5486" y="1575854"/>
+          <a:ext cx="1993598" cy="797439"/>
         </a:xfrm>
         <a:prstGeom prst="homePlate">
           <a:avLst/>
@@ -3510,8 +3527,8 @@
         </a:p>
       </dsp:txBody>
       <dsp:txXfrm>
-        <a:off x="4859" y="1659173"/>
-        <a:ext cx="1589092" cy="706263"/>
+        <a:off x="5486" y="1575854"/>
+        <a:ext cx="1794238" cy="797439"/>
       </dsp:txXfrm>
     </dsp:sp>
     <dsp:sp modelId="{D3603AAD-4EF6-4575-95B4-3F298466D9A5}">
@@ -3521,8 +3538,751 @@
       </dsp:nvSpPr>
       <dsp:spPr>
         <a:xfrm>
-          <a:off x="1540981" y="1719206"/>
-          <a:ext cx="1465496" cy="586198"/>
+          <a:off x="1739916" y="1643636"/>
+          <a:ext cx="1654686" cy="661874"/>
+        </a:xfrm>
+        <a:prstGeom prst="chevron">
+          <a:avLst/>
+        </a:prstGeom>
+        <a:noFill/>
+        <a:ln w="12700" cap="flat" cmpd="sng" algn="ctr">
+          <a:noFill/>
+          <a:prstDash val="solid"/>
+          <a:miter lim="800000"/>
+        </a:ln>
+        <a:effectLst/>
+      </dsp:spPr>
+      <dsp:style>
+        <a:lnRef idx="2">
+          <a:schemeClr val="accent3">
+            <a:shade val="50000"/>
+          </a:schemeClr>
+        </a:lnRef>
+        <a:fillRef idx="1">
+          <a:schemeClr val="accent3"/>
+        </a:fillRef>
+        <a:effectRef idx="0">
+          <a:schemeClr val="accent3"/>
+        </a:effectRef>
+        <a:fontRef idx="minor">
+          <a:schemeClr val="lt1"/>
+        </a:fontRef>
+      </dsp:style>
+      <dsp:txBody>
+        <a:bodyPr spcFirstLastPara="0" vert="horz" wrap="square" lIns="16510" tIns="8255" rIns="0" bIns="8255" numCol="1" spcCol="1270" anchor="ctr" anchorCtr="0">
+          <a:noAutofit/>
+        </a:bodyPr>
+        <a:lstStyle/>
+        <a:p>
+          <a:pPr marL="0" lvl="0" indent="0" algn="ctr" defTabSz="577850" latinLnBrk="1">
+            <a:lnSpc>
+              <a:spcPct val="90000"/>
+            </a:lnSpc>
+            <a:spcBef>
+              <a:spcPct val="0"/>
+            </a:spcBef>
+            <a:spcAft>
+              <a:spcPct val="35000"/>
+            </a:spcAft>
+            <a:buNone/>
+          </a:pPr>
+          <a:endParaRPr lang="ko-KR" altLang="en-US" sz="1300" b="0" kern="1200" dirty="0"/>
+        </a:p>
+      </dsp:txBody>
+      <dsp:txXfrm>
+        <a:off x="2070853" y="1643636"/>
+        <a:ext cx="992812" cy="661874"/>
+      </dsp:txXfrm>
+    </dsp:sp>
+    <dsp:sp modelId="{12A0A505-0F46-42C7-8E35-30BA4606B58D}">
+      <dsp:nvSpPr>
+        <dsp:cNvPr id="0" name=""/>
+        <dsp:cNvSpPr/>
+      </dsp:nvSpPr>
+      <dsp:spPr>
+        <a:xfrm>
+          <a:off x="3162947" y="1643636"/>
+          <a:ext cx="1654686" cy="661874"/>
+        </a:xfrm>
+        <a:prstGeom prst="chevron">
+          <a:avLst/>
+        </a:prstGeom>
+        <a:solidFill>
+          <a:schemeClr val="accent3"/>
+        </a:solidFill>
+        <a:ln w="12700" cap="flat" cmpd="sng" algn="ctr">
+          <a:solidFill>
+            <a:schemeClr val="tx1"/>
+          </a:solidFill>
+          <a:prstDash val="solid"/>
+          <a:miter lim="800000"/>
+        </a:ln>
+        <a:effectLst/>
+      </dsp:spPr>
+      <dsp:style>
+        <a:lnRef idx="2">
+          <a:schemeClr val="dk1"/>
+        </a:lnRef>
+        <a:fillRef idx="1">
+          <a:schemeClr val="lt1"/>
+        </a:fillRef>
+        <a:effectRef idx="0">
+          <a:schemeClr val="dk1"/>
+        </a:effectRef>
+        <a:fontRef idx="minor">
+          <a:schemeClr val="dk1"/>
+        </a:fontRef>
+      </dsp:style>
+      <dsp:txBody>
+        <a:bodyPr spcFirstLastPara="0" vert="horz" wrap="square" lIns="16510" tIns="8255" rIns="0" bIns="8255" numCol="1" spcCol="1270" anchor="ctr" anchorCtr="0">
+          <a:noAutofit/>
+        </a:bodyPr>
+        <a:lstStyle/>
+        <a:p>
+          <a:pPr marL="0" lvl="0" indent="0" algn="ctr" defTabSz="577850" latinLnBrk="1">
+            <a:lnSpc>
+              <a:spcPct val="90000"/>
+            </a:lnSpc>
+            <a:spcBef>
+              <a:spcPct val="0"/>
+            </a:spcBef>
+            <a:spcAft>
+              <a:spcPct val="35000"/>
+            </a:spcAft>
+            <a:buNone/>
+          </a:pPr>
+          <a:r>
+            <a:rPr lang="ko-KR" altLang="en-US" sz="1300" b="1" kern="1200" dirty="0"/>
+            <a:t>중계서버</a:t>
+          </a:r>
+          <a:endParaRPr lang="en-US" altLang="ko-KR" sz="1300" b="1" kern="1200" dirty="0"/>
+        </a:p>
+        <a:p>
+          <a:pPr marL="0" lvl="0" indent="0" algn="ctr" defTabSz="577850" latinLnBrk="1">
+            <a:lnSpc>
+              <a:spcPct val="90000"/>
+            </a:lnSpc>
+            <a:spcBef>
+              <a:spcPct val="0"/>
+            </a:spcBef>
+            <a:spcAft>
+              <a:spcPct val="35000"/>
+            </a:spcAft>
+            <a:buNone/>
+          </a:pPr>
+          <a:r>
+            <a:rPr lang="ko-KR" altLang="en-US" sz="1300" b="1" kern="1200" dirty="0"/>
+            <a:t>준비</a:t>
+          </a:r>
+        </a:p>
+      </dsp:txBody>
+      <dsp:txXfrm>
+        <a:off x="3493884" y="1643636"/>
+        <a:ext cx="992812" cy="661874"/>
+      </dsp:txXfrm>
+    </dsp:sp>
+    <dsp:sp modelId="{6B900200-AF17-424F-969F-8B369F52F34D}">
+      <dsp:nvSpPr>
+        <dsp:cNvPr id="0" name=""/>
+        <dsp:cNvSpPr/>
+      </dsp:nvSpPr>
+      <dsp:spPr>
+        <a:xfrm>
+          <a:off x="4585977" y="1643636"/>
+          <a:ext cx="1654686" cy="661874"/>
+        </a:xfrm>
+        <a:prstGeom prst="chevron">
+          <a:avLst/>
+        </a:prstGeom>
+        <a:solidFill>
+          <a:schemeClr val="accent3"/>
+        </a:solidFill>
+        <a:ln w="12700" cap="flat" cmpd="sng" algn="ctr">
+          <a:solidFill>
+            <a:schemeClr val="tx1"/>
+          </a:solidFill>
+          <a:prstDash val="solid"/>
+          <a:miter lim="800000"/>
+        </a:ln>
+        <a:effectLst/>
+      </dsp:spPr>
+      <dsp:style>
+        <a:lnRef idx="2">
+          <a:schemeClr val="dk1"/>
+        </a:lnRef>
+        <a:fillRef idx="1">
+          <a:schemeClr val="lt1"/>
+        </a:fillRef>
+        <a:effectRef idx="0">
+          <a:schemeClr val="dk1"/>
+        </a:effectRef>
+        <a:fontRef idx="minor">
+          <a:schemeClr val="dk1"/>
+        </a:fontRef>
+      </dsp:style>
+      <dsp:txBody>
+        <a:bodyPr spcFirstLastPara="0" vert="horz" wrap="square" lIns="16510" tIns="8255" rIns="0" bIns="8255" numCol="1" spcCol="1270" anchor="ctr" anchorCtr="0">
+          <a:noAutofit/>
+        </a:bodyPr>
+        <a:lstStyle/>
+        <a:p>
+          <a:pPr marL="0" lvl="0" indent="0" algn="ctr" defTabSz="577850" latinLnBrk="1">
+            <a:lnSpc>
+              <a:spcPct val="90000"/>
+            </a:lnSpc>
+            <a:spcBef>
+              <a:spcPct val="0"/>
+            </a:spcBef>
+            <a:spcAft>
+              <a:spcPct val="35000"/>
+            </a:spcAft>
+            <a:buNone/>
+          </a:pPr>
+          <a:r>
+            <a:rPr lang="ko-KR" altLang="en-US" sz="1300" b="1" kern="1200" dirty="0"/>
+            <a:t>중계</a:t>
+          </a:r>
+          <a:r>
+            <a:rPr lang="en-US" altLang="ko-KR" sz="1300" b="1" kern="1200" dirty="0"/>
+            <a:t>DB</a:t>
+          </a:r>
+        </a:p>
+        <a:p>
+          <a:pPr marL="0" lvl="0" indent="0" algn="ctr" defTabSz="577850" latinLnBrk="1">
+            <a:lnSpc>
+              <a:spcPct val="90000"/>
+            </a:lnSpc>
+            <a:spcBef>
+              <a:spcPct val="0"/>
+            </a:spcBef>
+            <a:spcAft>
+              <a:spcPct val="35000"/>
+            </a:spcAft>
+            <a:buNone/>
+          </a:pPr>
+          <a:r>
+            <a:rPr lang="ko-KR" altLang="en-US" sz="1300" b="1" kern="1200" dirty="0"/>
+            <a:t>구성</a:t>
+          </a:r>
+        </a:p>
+      </dsp:txBody>
+      <dsp:txXfrm>
+        <a:off x="4916914" y="1643636"/>
+        <a:ext cx="992812" cy="661874"/>
+      </dsp:txXfrm>
+    </dsp:sp>
+    <dsp:sp modelId="{079AF625-E4B9-462A-9C58-21D1BD10620A}">
+      <dsp:nvSpPr>
+        <dsp:cNvPr id="0" name=""/>
+        <dsp:cNvSpPr/>
+      </dsp:nvSpPr>
+      <dsp:spPr>
+        <a:xfrm>
+          <a:off x="6009007" y="1643636"/>
+          <a:ext cx="1654686" cy="661874"/>
+        </a:xfrm>
+        <a:prstGeom prst="chevron">
+          <a:avLst/>
+        </a:prstGeom>
+        <a:solidFill>
+          <a:schemeClr val="lt1"/>
+        </a:solidFill>
+        <a:ln w="12700" cap="flat" cmpd="sng" algn="ctr">
+          <a:solidFill>
+            <a:schemeClr val="tx1"/>
+          </a:solidFill>
+          <a:prstDash val="solid"/>
+          <a:miter lim="800000"/>
+        </a:ln>
+        <a:effectLst/>
+      </dsp:spPr>
+      <dsp:style>
+        <a:lnRef idx="2">
+          <a:schemeClr val="dk1"/>
+        </a:lnRef>
+        <a:fillRef idx="1">
+          <a:schemeClr val="lt1"/>
+        </a:fillRef>
+        <a:effectRef idx="0">
+          <a:schemeClr val="dk1"/>
+        </a:effectRef>
+        <a:fontRef idx="minor">
+          <a:schemeClr val="dk1"/>
+        </a:fontRef>
+      </dsp:style>
+      <dsp:txBody>
+        <a:bodyPr spcFirstLastPara="0" vert="horz" wrap="square" lIns="16510" tIns="8255" rIns="0" bIns="8255" numCol="1" spcCol="1270" anchor="ctr" anchorCtr="0">
+          <a:noAutofit/>
+        </a:bodyPr>
+        <a:lstStyle/>
+        <a:p>
+          <a:pPr marL="0" lvl="0" indent="0" algn="ctr" defTabSz="577850" latinLnBrk="1">
+            <a:lnSpc>
+              <a:spcPct val="90000"/>
+            </a:lnSpc>
+            <a:spcBef>
+              <a:spcPct val="0"/>
+            </a:spcBef>
+            <a:spcAft>
+              <a:spcPct val="35000"/>
+            </a:spcAft>
+            <a:buNone/>
+          </a:pPr>
+          <a:r>
+            <a:rPr lang="ko-KR" altLang="en-US" sz="1300" kern="1200" dirty="0"/>
+            <a:t>중계서버</a:t>
+          </a:r>
+          <a:endParaRPr lang="en-US" altLang="ko-KR" sz="1300" kern="1200" dirty="0"/>
+        </a:p>
+        <a:p>
+          <a:pPr marL="0" lvl="0" indent="0" algn="ctr" defTabSz="577850" latinLnBrk="1">
+            <a:lnSpc>
+              <a:spcPct val="90000"/>
+            </a:lnSpc>
+            <a:spcBef>
+              <a:spcPct val="0"/>
+            </a:spcBef>
+            <a:spcAft>
+              <a:spcPct val="35000"/>
+            </a:spcAft>
+            <a:buNone/>
+          </a:pPr>
+          <a:r>
+            <a:rPr lang="ko-KR" altLang="en-US" sz="1300" kern="1200" dirty="0"/>
+            <a:t>접속지원</a:t>
+          </a:r>
+        </a:p>
+      </dsp:txBody>
+      <dsp:txXfrm>
+        <a:off x="6339944" y="1643636"/>
+        <a:ext cx="992812" cy="661874"/>
+      </dsp:txXfrm>
+    </dsp:sp>
+    <dsp:sp modelId="{FC11D80F-62EA-47E5-9745-6FADE959A8A2}">
+      <dsp:nvSpPr>
+        <dsp:cNvPr id="0" name=""/>
+        <dsp:cNvSpPr/>
+      </dsp:nvSpPr>
+      <dsp:spPr>
+        <a:xfrm>
+          <a:off x="7432038" y="1643636"/>
+          <a:ext cx="1654686" cy="661874"/>
+        </a:xfrm>
+        <a:prstGeom prst="chevron">
+          <a:avLst/>
+        </a:prstGeom>
+        <a:solidFill>
+          <a:schemeClr val="lt1"/>
+        </a:solidFill>
+        <a:ln w="12700" cap="flat" cmpd="sng" algn="ctr">
+          <a:solidFill>
+            <a:schemeClr val="tx1"/>
+          </a:solidFill>
+          <a:prstDash val="solid"/>
+          <a:miter lim="800000"/>
+        </a:ln>
+        <a:effectLst/>
+      </dsp:spPr>
+      <dsp:style>
+        <a:lnRef idx="2">
+          <a:schemeClr val="dk1"/>
+        </a:lnRef>
+        <a:fillRef idx="1">
+          <a:schemeClr val="lt1"/>
+        </a:fillRef>
+        <a:effectRef idx="0">
+          <a:schemeClr val="dk1"/>
+        </a:effectRef>
+        <a:fontRef idx="minor">
+          <a:schemeClr val="dk1"/>
+        </a:fontRef>
+      </dsp:style>
+      <dsp:txBody>
+        <a:bodyPr spcFirstLastPara="0" vert="horz" wrap="square" lIns="16510" tIns="8255" rIns="0" bIns="8255" numCol="1" spcCol="1270" anchor="ctr" anchorCtr="0">
+          <a:noAutofit/>
+        </a:bodyPr>
+        <a:lstStyle/>
+        <a:p>
+          <a:pPr marL="0" lvl="0" indent="0" algn="ctr" defTabSz="577850" latinLnBrk="1">
+            <a:lnSpc>
+              <a:spcPct val="90000"/>
+            </a:lnSpc>
+            <a:spcBef>
+              <a:spcPct val="0"/>
+            </a:spcBef>
+            <a:spcAft>
+              <a:spcPct val="35000"/>
+            </a:spcAft>
+            <a:buNone/>
+          </a:pPr>
+          <a:r>
+            <a:rPr lang="ko-KR" altLang="en-US" sz="1300" kern="1200" dirty="0"/>
+            <a:t>중계서버</a:t>
+          </a:r>
+          <a:endParaRPr lang="en-US" altLang="ko-KR" sz="1300" kern="1200" dirty="0"/>
+        </a:p>
+        <a:p>
+          <a:pPr marL="0" lvl="0" indent="0" algn="ctr" defTabSz="577850" latinLnBrk="1">
+            <a:lnSpc>
+              <a:spcPct val="90000"/>
+            </a:lnSpc>
+            <a:spcBef>
+              <a:spcPct val="0"/>
+            </a:spcBef>
+            <a:spcAft>
+              <a:spcPct val="35000"/>
+            </a:spcAft>
+            <a:buNone/>
+          </a:pPr>
+          <a:r>
+            <a:rPr lang="ko-KR" altLang="en-US" sz="1300" kern="1200" dirty="0"/>
+            <a:t>공인</a:t>
+          </a:r>
+          <a:r>
+            <a:rPr lang="en-US" altLang="ko-KR" sz="1300" kern="1200" dirty="0"/>
+            <a:t>IP </a:t>
+          </a:r>
+          <a:r>
+            <a:rPr lang="ko-KR" altLang="en-US" sz="1300" kern="1200" dirty="0"/>
+            <a:t>제공</a:t>
+          </a:r>
+        </a:p>
+      </dsp:txBody>
+      <dsp:txXfrm>
+        <a:off x="7762975" y="1643636"/>
+        <a:ext cx="992812" cy="661874"/>
+      </dsp:txXfrm>
+    </dsp:sp>
+    <dsp:sp modelId="{AE74041F-C419-41C5-A5C2-CBA8AF2A0C5A}">
+      <dsp:nvSpPr>
+        <dsp:cNvPr id="0" name=""/>
+        <dsp:cNvSpPr/>
+      </dsp:nvSpPr>
+      <dsp:spPr>
+        <a:xfrm>
+          <a:off x="8855068" y="1643636"/>
+          <a:ext cx="1654686" cy="661874"/>
+        </a:xfrm>
+        <a:prstGeom prst="chevron">
+          <a:avLst/>
+        </a:prstGeom>
+        <a:noFill/>
+        <a:ln w="12700" cap="flat" cmpd="sng" algn="ctr">
+          <a:solidFill>
+            <a:schemeClr val="tx1"/>
+          </a:solidFill>
+          <a:prstDash val="solid"/>
+          <a:miter lim="800000"/>
+        </a:ln>
+        <a:effectLst/>
+      </dsp:spPr>
+      <dsp:style>
+        <a:lnRef idx="2">
+          <a:schemeClr val="dk1"/>
+        </a:lnRef>
+        <a:fillRef idx="1">
+          <a:schemeClr val="lt1"/>
+        </a:fillRef>
+        <a:effectRef idx="0">
+          <a:schemeClr val="dk1"/>
+        </a:effectRef>
+        <a:fontRef idx="minor">
+          <a:schemeClr val="dk1"/>
+        </a:fontRef>
+      </dsp:style>
+      <dsp:txBody>
+        <a:bodyPr spcFirstLastPara="0" vert="horz" wrap="square" lIns="16510" tIns="8255" rIns="0" bIns="8255" numCol="1" spcCol="1270" anchor="ctr" anchorCtr="0">
+          <a:noAutofit/>
+        </a:bodyPr>
+        <a:lstStyle/>
+        <a:p>
+          <a:pPr marL="0" lvl="0" indent="0" algn="ctr" defTabSz="577850" latinLnBrk="1">
+            <a:lnSpc>
+              <a:spcPct val="90000"/>
+            </a:lnSpc>
+            <a:spcBef>
+              <a:spcPct val="0"/>
+            </a:spcBef>
+            <a:spcAft>
+              <a:spcPct val="35000"/>
+            </a:spcAft>
+            <a:buNone/>
+          </a:pPr>
+          <a:r>
+            <a:rPr lang="ko-KR" altLang="en-US" sz="1300" b="0" kern="1200" dirty="0"/>
+            <a:t>중계서버 </a:t>
+          </a:r>
+          <a:r>
+            <a:rPr lang="en-US" altLang="ko-KR" sz="1300" b="0" kern="1200" dirty="0"/>
+            <a:t>URL </a:t>
+          </a:r>
+          <a:r>
+            <a:rPr lang="ko-KR" altLang="en-US" sz="1300" b="0" kern="1200" dirty="0"/>
+            <a:t>제공</a:t>
+          </a:r>
+        </a:p>
+      </dsp:txBody>
+      <dsp:txXfrm>
+        <a:off x="9186005" y="1643636"/>
+        <a:ext cx="992812" cy="661874"/>
+      </dsp:txXfrm>
+    </dsp:sp>
+    <dsp:sp modelId="{060D761D-9928-4D20-8332-1A5AC0526D6E}">
+      <dsp:nvSpPr>
+        <dsp:cNvPr id="0" name=""/>
+        <dsp:cNvSpPr/>
+      </dsp:nvSpPr>
+      <dsp:spPr>
+        <a:xfrm>
+          <a:off x="10278099" y="1643636"/>
+          <a:ext cx="1654686" cy="661874"/>
+        </a:xfrm>
+        <a:prstGeom prst="chevron">
+          <a:avLst/>
+        </a:prstGeom>
+        <a:solidFill>
+          <a:schemeClr val="accent3"/>
+        </a:solidFill>
+        <a:ln w="12700" cap="flat" cmpd="sng" algn="ctr">
+          <a:solidFill>
+            <a:schemeClr val="tx1"/>
+          </a:solidFill>
+          <a:prstDash val="solid"/>
+          <a:miter lim="800000"/>
+        </a:ln>
+        <a:effectLst/>
+      </dsp:spPr>
+      <dsp:style>
+        <a:lnRef idx="2">
+          <a:schemeClr val="dk1"/>
+        </a:lnRef>
+        <a:fillRef idx="1">
+          <a:schemeClr val="lt1"/>
+        </a:fillRef>
+        <a:effectRef idx="0">
+          <a:schemeClr val="dk1"/>
+        </a:effectRef>
+        <a:fontRef idx="minor">
+          <a:schemeClr val="dk1"/>
+        </a:fontRef>
+      </dsp:style>
+      <dsp:txBody>
+        <a:bodyPr spcFirstLastPara="0" vert="horz" wrap="square" lIns="16510" tIns="8255" rIns="0" bIns="8255" numCol="1" spcCol="1270" anchor="ctr" anchorCtr="0">
+          <a:noAutofit/>
+        </a:bodyPr>
+        <a:lstStyle/>
+        <a:p>
+          <a:pPr marL="0" lvl="0" indent="0" algn="ctr" defTabSz="577850" latinLnBrk="1">
+            <a:lnSpc>
+              <a:spcPct val="90000"/>
+            </a:lnSpc>
+            <a:spcBef>
+              <a:spcPct val="0"/>
+            </a:spcBef>
+            <a:spcAft>
+              <a:spcPct val="35000"/>
+            </a:spcAft>
+            <a:buNone/>
+          </a:pPr>
+          <a:r>
+            <a:rPr lang="ko-KR" altLang="en-US" sz="1300" b="1" kern="1200" dirty="0"/>
+            <a:t>화면개발</a:t>
+          </a:r>
+          <a:endParaRPr lang="en-US" altLang="ko-KR" sz="1300" b="1" kern="1200" dirty="0"/>
+        </a:p>
+        <a:p>
+          <a:pPr marL="0" lvl="0" indent="0" algn="ctr" defTabSz="577850" latinLnBrk="1">
+            <a:lnSpc>
+              <a:spcPct val="90000"/>
+            </a:lnSpc>
+            <a:spcBef>
+              <a:spcPct val="0"/>
+            </a:spcBef>
+            <a:spcAft>
+              <a:spcPct val="35000"/>
+            </a:spcAft>
+            <a:buNone/>
+          </a:pPr>
+          <a:r>
+            <a:rPr lang="ko-KR" altLang="en-US" sz="1300" b="1" kern="1200" dirty="0"/>
+            <a:t>기능테스트</a:t>
+          </a:r>
+          <a:endParaRPr lang="en-US" altLang="ko-KR" sz="1300" b="1" kern="1200" dirty="0"/>
+        </a:p>
+      </dsp:txBody>
+      <dsp:txXfrm>
+        <a:off x="10609036" y="1643636"/>
+        <a:ext cx="992812" cy="661874"/>
+      </dsp:txXfrm>
+    </dsp:sp>
+    <dsp:sp modelId="{8391D763-94D9-4230-8437-B1EF13D1DEE5}">
+      <dsp:nvSpPr>
+        <dsp:cNvPr id="0" name=""/>
+        <dsp:cNvSpPr/>
+      </dsp:nvSpPr>
+      <dsp:spPr>
+        <a:xfrm>
+          <a:off x="5486" y="2484935"/>
+          <a:ext cx="1993598" cy="797439"/>
+        </a:xfrm>
+        <a:prstGeom prst="homePlate">
+          <a:avLst/>
+        </a:prstGeom>
+        <a:solidFill>
+          <a:schemeClr val="accent3"/>
+        </a:solidFill>
+        <a:ln w="12700" cap="flat" cmpd="sng" algn="ctr">
+          <a:solidFill>
+            <a:schemeClr val="tx1"/>
+          </a:solidFill>
+          <a:prstDash val="solid"/>
+          <a:miter lim="800000"/>
+        </a:ln>
+        <a:effectLst/>
+      </dsp:spPr>
+      <dsp:style>
+        <a:lnRef idx="2">
+          <a:schemeClr val="accent3">
+            <a:shade val="50000"/>
+          </a:schemeClr>
+        </a:lnRef>
+        <a:fillRef idx="1">
+          <a:schemeClr val="accent3"/>
+        </a:fillRef>
+        <a:effectRef idx="0">
+          <a:schemeClr val="accent3"/>
+        </a:effectRef>
+        <a:fontRef idx="minor">
+          <a:schemeClr val="lt1"/>
+        </a:fontRef>
+      </dsp:style>
+      <dsp:txBody>
+        <a:bodyPr spcFirstLastPara="0" vert="horz" wrap="square" lIns="22860" tIns="11430" rIns="0" bIns="11430" numCol="1" spcCol="1270" anchor="ctr" anchorCtr="0">
+          <a:noAutofit/>
+        </a:bodyPr>
+        <a:lstStyle/>
+        <a:p>
+          <a:pPr marL="0" lvl="0" indent="0" algn="ctr" defTabSz="800100" latinLnBrk="1">
+            <a:lnSpc>
+              <a:spcPct val="90000"/>
+            </a:lnSpc>
+            <a:spcBef>
+              <a:spcPct val="0"/>
+            </a:spcBef>
+            <a:spcAft>
+              <a:spcPct val="35000"/>
+            </a:spcAft>
+            <a:buNone/>
+          </a:pPr>
+          <a:r>
+            <a:rPr lang="ko-KR" altLang="en-US" sz="1800" b="1" kern="1200" dirty="0" err="1"/>
+            <a:t>스마트빌</a:t>
+          </a:r>
+          <a:endParaRPr lang="ko-KR" altLang="en-US" sz="1800" b="1" kern="1200" dirty="0"/>
+        </a:p>
+      </dsp:txBody>
+      <dsp:txXfrm>
+        <a:off x="5486" y="2484935"/>
+        <a:ext cx="1794238" cy="797439"/>
+      </dsp:txXfrm>
+    </dsp:sp>
+    <dsp:sp modelId="{58C5311A-45A1-4EF2-8C08-E645B913A2B3}">
+      <dsp:nvSpPr>
+        <dsp:cNvPr id="0" name=""/>
+        <dsp:cNvSpPr/>
+      </dsp:nvSpPr>
+      <dsp:spPr>
+        <a:xfrm>
+          <a:off x="1739916" y="2552717"/>
+          <a:ext cx="1654686" cy="661874"/>
+        </a:xfrm>
+        <a:prstGeom prst="chevron">
+          <a:avLst/>
+        </a:prstGeom>
+        <a:solidFill>
+          <a:schemeClr val="lt1"/>
+        </a:solidFill>
+        <a:ln w="12700" cap="flat" cmpd="sng" algn="ctr">
+          <a:solidFill>
+            <a:schemeClr val="tx1"/>
+          </a:solidFill>
+          <a:prstDash val="solid"/>
+          <a:miter lim="800000"/>
+        </a:ln>
+        <a:effectLst/>
+      </dsp:spPr>
+      <dsp:style>
+        <a:lnRef idx="2">
+          <a:schemeClr val="dk1"/>
+        </a:lnRef>
+        <a:fillRef idx="1">
+          <a:schemeClr val="lt1"/>
+        </a:fillRef>
+        <a:effectRef idx="0">
+          <a:schemeClr val="dk1"/>
+        </a:effectRef>
+        <a:fontRef idx="minor">
+          <a:schemeClr val="dk1"/>
+        </a:fontRef>
+      </dsp:style>
+      <dsp:txBody>
+        <a:bodyPr spcFirstLastPara="0" vert="horz" wrap="square" lIns="16510" tIns="8255" rIns="0" bIns="8255" numCol="1" spcCol="1270" anchor="ctr" anchorCtr="0">
+          <a:noAutofit/>
+        </a:bodyPr>
+        <a:lstStyle/>
+        <a:p>
+          <a:pPr marL="0" lvl="0" indent="0" algn="ctr" defTabSz="577850" latinLnBrk="1">
+            <a:lnSpc>
+              <a:spcPct val="90000"/>
+            </a:lnSpc>
+            <a:spcBef>
+              <a:spcPct val="0"/>
+            </a:spcBef>
+            <a:spcAft>
+              <a:spcPct val="35000"/>
+            </a:spcAft>
+            <a:buNone/>
+          </a:pPr>
+          <a:r>
+            <a:rPr lang="ko-KR" altLang="en-US" sz="1300" b="0" kern="1200" dirty="0"/>
+            <a:t>가입여부</a:t>
+          </a:r>
+          <a:endParaRPr lang="en-US" altLang="ko-KR" sz="1300" b="0" kern="1200" dirty="0"/>
+        </a:p>
+        <a:p>
+          <a:pPr marL="0" lvl="0" indent="0" algn="ctr" defTabSz="577850" latinLnBrk="1">
+            <a:lnSpc>
+              <a:spcPct val="90000"/>
+            </a:lnSpc>
+            <a:spcBef>
+              <a:spcPct val="0"/>
+            </a:spcBef>
+            <a:spcAft>
+              <a:spcPct val="35000"/>
+            </a:spcAft>
+            <a:buNone/>
+          </a:pPr>
+          <a:r>
+            <a:rPr lang="ko-KR" altLang="en-US" sz="1300" b="0" kern="1200" dirty="0"/>
+            <a:t>확인</a:t>
+          </a:r>
+          <a:endParaRPr lang="ko-KR" altLang="en-US" sz="1300" kern="1200" dirty="0"/>
+        </a:p>
+      </dsp:txBody>
+      <dsp:txXfrm>
+        <a:off x="2070853" y="2552717"/>
+        <a:ext cx="992812" cy="661874"/>
+      </dsp:txXfrm>
+    </dsp:sp>
+    <dsp:sp modelId="{5FEC19A5-2A22-44A5-AB9D-83DBD3306719}">
+      <dsp:nvSpPr>
+        <dsp:cNvPr id="0" name=""/>
+        <dsp:cNvSpPr/>
+      </dsp:nvSpPr>
+      <dsp:spPr>
+        <a:xfrm>
+          <a:off x="3162947" y="2552717"/>
+          <a:ext cx="1654686" cy="661874"/>
         </a:xfrm>
         <a:prstGeom prst="chevron">
           <a:avLst/>
@@ -3575,7 +4335,7 @@
           </a:pPr>
           <a:r>
             <a:rPr lang="ko-KR" altLang="en-US" sz="1300" b="0" kern="1200" dirty="0"/>
-            <a:t>가입여부</a:t>
+            <a:t>환경요청서</a:t>
           </a:r>
           <a:endParaRPr lang="en-US" altLang="ko-KR" sz="1300" b="0" kern="1200" dirty="0"/>
         </a:p>
@@ -3594,201 +4354,24 @@
           </a:pPr>
           <a:r>
             <a:rPr lang="ko-KR" altLang="en-US" sz="1300" b="0" kern="1200" dirty="0"/>
-            <a:t>확인</a:t>
+            <a:t>제공</a:t>
           </a:r>
         </a:p>
       </dsp:txBody>
       <dsp:txXfrm>
-        <a:off x="1834080" y="1719206"/>
-        <a:ext cx="879298" cy="586198"/>
+        <a:off x="3493884" y="2552717"/>
+        <a:ext cx="992812" cy="661874"/>
       </dsp:txXfrm>
     </dsp:sp>
-    <dsp:sp modelId="{12A0A505-0F46-42C7-8E35-30BA4606B58D}">
+    <dsp:sp modelId="{F7B8B05F-3D8B-44E8-B51D-61114CF75529}">
       <dsp:nvSpPr>
         <dsp:cNvPr id="0" name=""/>
         <dsp:cNvSpPr/>
       </dsp:nvSpPr>
       <dsp:spPr>
         <a:xfrm>
-          <a:off x="2801308" y="1719206"/>
-          <a:ext cx="1465496" cy="586198"/>
-        </a:xfrm>
-        <a:prstGeom prst="chevron">
-          <a:avLst/>
-        </a:prstGeom>
-        <a:solidFill>
-          <a:schemeClr val="accent3"/>
-        </a:solidFill>
-        <a:ln w="12700" cap="flat" cmpd="sng" algn="ctr">
-          <a:solidFill>
-            <a:schemeClr val="tx1"/>
-          </a:solidFill>
-          <a:prstDash val="solid"/>
-          <a:miter lim="800000"/>
-        </a:ln>
-        <a:effectLst/>
-      </dsp:spPr>
-      <dsp:style>
-        <a:lnRef idx="2">
-          <a:schemeClr val="dk1"/>
-        </a:lnRef>
-        <a:fillRef idx="1">
-          <a:schemeClr val="lt1"/>
-        </a:fillRef>
-        <a:effectRef idx="0">
-          <a:schemeClr val="dk1"/>
-        </a:effectRef>
-        <a:fontRef idx="minor">
-          <a:schemeClr val="dk1"/>
-        </a:fontRef>
-      </dsp:style>
-      <dsp:txBody>
-        <a:bodyPr spcFirstLastPara="0" vert="horz" wrap="square" lIns="16510" tIns="8255" rIns="0" bIns="8255" numCol="1" spcCol="1270" anchor="ctr" anchorCtr="0">
-          <a:noAutofit/>
-        </a:bodyPr>
-        <a:lstStyle/>
-        <a:p>
-          <a:pPr marL="0" lvl="0" indent="0" algn="ctr" defTabSz="577850" latinLnBrk="1">
-            <a:lnSpc>
-              <a:spcPct val="90000"/>
-            </a:lnSpc>
-            <a:spcBef>
-              <a:spcPct val="0"/>
-            </a:spcBef>
-            <a:spcAft>
-              <a:spcPct val="35000"/>
-            </a:spcAft>
-            <a:buNone/>
-          </a:pPr>
-          <a:r>
-            <a:rPr lang="ko-KR" altLang="en-US" sz="1300" b="1" kern="1200" dirty="0"/>
-            <a:t>중계서버</a:t>
-          </a:r>
-          <a:endParaRPr lang="en-US" altLang="ko-KR" sz="1300" b="1" kern="1200" dirty="0"/>
-        </a:p>
-        <a:p>
-          <a:pPr marL="0" lvl="0" indent="0" algn="ctr" defTabSz="577850" latinLnBrk="1">
-            <a:lnSpc>
-              <a:spcPct val="90000"/>
-            </a:lnSpc>
-            <a:spcBef>
-              <a:spcPct val="0"/>
-            </a:spcBef>
-            <a:spcAft>
-              <a:spcPct val="35000"/>
-            </a:spcAft>
-            <a:buNone/>
-          </a:pPr>
-          <a:r>
-            <a:rPr lang="ko-KR" altLang="en-US" sz="1300" b="1" kern="1200" dirty="0"/>
-            <a:t>준비</a:t>
-          </a:r>
-        </a:p>
-      </dsp:txBody>
-      <dsp:txXfrm>
-        <a:off x="3094407" y="1719206"/>
-        <a:ext cx="879298" cy="586198"/>
-      </dsp:txXfrm>
-    </dsp:sp>
-    <dsp:sp modelId="{6B900200-AF17-424F-969F-8B369F52F34D}">
-      <dsp:nvSpPr>
-        <dsp:cNvPr id="0" name=""/>
-        <dsp:cNvSpPr/>
-      </dsp:nvSpPr>
-      <dsp:spPr>
-        <a:xfrm>
-          <a:off x="4061635" y="1719206"/>
-          <a:ext cx="1465496" cy="586198"/>
-        </a:xfrm>
-        <a:prstGeom prst="chevron">
-          <a:avLst/>
-        </a:prstGeom>
-        <a:solidFill>
-          <a:schemeClr val="accent3"/>
-        </a:solidFill>
-        <a:ln w="12700" cap="flat" cmpd="sng" algn="ctr">
-          <a:solidFill>
-            <a:schemeClr val="tx1"/>
-          </a:solidFill>
-          <a:prstDash val="solid"/>
-          <a:miter lim="800000"/>
-        </a:ln>
-        <a:effectLst/>
-      </dsp:spPr>
-      <dsp:style>
-        <a:lnRef idx="2">
-          <a:schemeClr val="dk1"/>
-        </a:lnRef>
-        <a:fillRef idx="1">
-          <a:schemeClr val="lt1"/>
-        </a:fillRef>
-        <a:effectRef idx="0">
-          <a:schemeClr val="dk1"/>
-        </a:effectRef>
-        <a:fontRef idx="minor">
-          <a:schemeClr val="dk1"/>
-        </a:fontRef>
-      </dsp:style>
-      <dsp:txBody>
-        <a:bodyPr spcFirstLastPara="0" vert="horz" wrap="square" lIns="16510" tIns="8255" rIns="0" bIns="8255" numCol="1" spcCol="1270" anchor="ctr" anchorCtr="0">
-          <a:noAutofit/>
-        </a:bodyPr>
-        <a:lstStyle/>
-        <a:p>
-          <a:pPr marL="0" lvl="0" indent="0" algn="ctr" defTabSz="577850" latinLnBrk="1">
-            <a:lnSpc>
-              <a:spcPct val="90000"/>
-            </a:lnSpc>
-            <a:spcBef>
-              <a:spcPct val="0"/>
-            </a:spcBef>
-            <a:spcAft>
-              <a:spcPct val="35000"/>
-            </a:spcAft>
-            <a:buNone/>
-          </a:pPr>
-          <a:r>
-            <a:rPr lang="ko-KR" altLang="en-US" sz="1300" b="1" kern="1200" dirty="0"/>
-            <a:t>중계</a:t>
-          </a:r>
-          <a:r>
-            <a:rPr lang="en-US" altLang="ko-KR" sz="1300" b="1" kern="1200" dirty="0"/>
-            <a:t>DB</a:t>
-          </a:r>
-        </a:p>
-        <a:p>
-          <a:pPr marL="0" lvl="0" indent="0" algn="ctr" defTabSz="577850" latinLnBrk="1">
-            <a:lnSpc>
-              <a:spcPct val="90000"/>
-            </a:lnSpc>
-            <a:spcBef>
-              <a:spcPct val="0"/>
-            </a:spcBef>
-            <a:spcAft>
-              <a:spcPct val="35000"/>
-            </a:spcAft>
-            <a:buNone/>
-          </a:pPr>
-          <a:r>
-            <a:rPr lang="ko-KR" altLang="en-US" sz="1300" b="1" kern="1200" dirty="0"/>
-            <a:t>구성</a:t>
-          </a:r>
-        </a:p>
-      </dsp:txBody>
-      <dsp:txXfrm>
-        <a:off x="4354734" y="1719206"/>
-        <a:ext cx="879298" cy="586198"/>
-      </dsp:txXfrm>
-    </dsp:sp>
-    <dsp:sp modelId="{079AF625-E4B9-462A-9C58-21D1BD10620A}">
-      <dsp:nvSpPr>
-        <dsp:cNvPr id="0" name=""/>
-        <dsp:cNvSpPr/>
-      </dsp:nvSpPr>
-      <dsp:spPr>
-        <a:xfrm>
-          <a:off x="5321962" y="1719206"/>
-          <a:ext cx="1465496" cy="586198"/>
+          <a:off x="4585977" y="2552717"/>
+          <a:ext cx="1654686" cy="661874"/>
         </a:xfrm>
         <a:prstGeom prst="chevron">
           <a:avLst/>
@@ -3838,564 +4421,6 @@
             <a:buNone/>
           </a:pPr>
           <a:r>
-            <a:rPr lang="ko-KR" altLang="en-US" sz="1300" kern="1200" dirty="0"/>
-            <a:t>중계서버</a:t>
-          </a:r>
-          <a:endParaRPr lang="en-US" altLang="ko-KR" sz="1300" kern="1200" dirty="0"/>
-        </a:p>
-        <a:p>
-          <a:pPr marL="0" lvl="0" indent="0" algn="ctr" defTabSz="577850" latinLnBrk="1">
-            <a:lnSpc>
-              <a:spcPct val="90000"/>
-            </a:lnSpc>
-            <a:spcBef>
-              <a:spcPct val="0"/>
-            </a:spcBef>
-            <a:spcAft>
-              <a:spcPct val="35000"/>
-            </a:spcAft>
-            <a:buNone/>
-          </a:pPr>
-          <a:r>
-            <a:rPr lang="ko-KR" altLang="en-US" sz="1300" kern="1200" dirty="0"/>
-            <a:t>접속지원</a:t>
-          </a:r>
-        </a:p>
-      </dsp:txBody>
-      <dsp:txXfrm>
-        <a:off x="5615061" y="1719206"/>
-        <a:ext cx="879298" cy="586198"/>
-      </dsp:txXfrm>
-    </dsp:sp>
-    <dsp:sp modelId="{FC11D80F-62EA-47E5-9745-6FADE959A8A2}">
-      <dsp:nvSpPr>
-        <dsp:cNvPr id="0" name=""/>
-        <dsp:cNvSpPr/>
-      </dsp:nvSpPr>
-      <dsp:spPr>
-        <a:xfrm>
-          <a:off x="6582288" y="1719206"/>
-          <a:ext cx="1465496" cy="586198"/>
-        </a:xfrm>
-        <a:prstGeom prst="chevron">
-          <a:avLst/>
-        </a:prstGeom>
-        <a:solidFill>
-          <a:schemeClr val="lt1"/>
-        </a:solidFill>
-        <a:ln w="12700" cap="flat" cmpd="sng" algn="ctr">
-          <a:solidFill>
-            <a:schemeClr val="tx1"/>
-          </a:solidFill>
-          <a:prstDash val="solid"/>
-          <a:miter lim="800000"/>
-        </a:ln>
-        <a:effectLst/>
-      </dsp:spPr>
-      <dsp:style>
-        <a:lnRef idx="2">
-          <a:schemeClr val="dk1"/>
-        </a:lnRef>
-        <a:fillRef idx="1">
-          <a:schemeClr val="lt1"/>
-        </a:fillRef>
-        <a:effectRef idx="0">
-          <a:schemeClr val="dk1"/>
-        </a:effectRef>
-        <a:fontRef idx="minor">
-          <a:schemeClr val="dk1"/>
-        </a:fontRef>
-      </dsp:style>
-      <dsp:txBody>
-        <a:bodyPr spcFirstLastPara="0" vert="horz" wrap="square" lIns="16510" tIns="8255" rIns="0" bIns="8255" numCol="1" spcCol="1270" anchor="ctr" anchorCtr="0">
-          <a:noAutofit/>
-        </a:bodyPr>
-        <a:lstStyle/>
-        <a:p>
-          <a:pPr marL="0" lvl="0" indent="0" algn="ctr" defTabSz="577850" latinLnBrk="1">
-            <a:lnSpc>
-              <a:spcPct val="90000"/>
-            </a:lnSpc>
-            <a:spcBef>
-              <a:spcPct val="0"/>
-            </a:spcBef>
-            <a:spcAft>
-              <a:spcPct val="35000"/>
-            </a:spcAft>
-            <a:buNone/>
-          </a:pPr>
-          <a:r>
-            <a:rPr lang="ko-KR" altLang="en-US" sz="1300" kern="1200" dirty="0"/>
-            <a:t>중계서버</a:t>
-          </a:r>
-          <a:endParaRPr lang="en-US" altLang="ko-KR" sz="1300" kern="1200" dirty="0"/>
-        </a:p>
-        <a:p>
-          <a:pPr marL="0" lvl="0" indent="0" algn="ctr" defTabSz="577850" latinLnBrk="1">
-            <a:lnSpc>
-              <a:spcPct val="90000"/>
-            </a:lnSpc>
-            <a:spcBef>
-              <a:spcPct val="0"/>
-            </a:spcBef>
-            <a:spcAft>
-              <a:spcPct val="35000"/>
-            </a:spcAft>
-            <a:buNone/>
-          </a:pPr>
-          <a:r>
-            <a:rPr lang="ko-KR" altLang="en-US" sz="1300" kern="1200" dirty="0"/>
-            <a:t>공인</a:t>
-          </a:r>
-          <a:r>
-            <a:rPr lang="en-US" altLang="ko-KR" sz="1300" kern="1200" dirty="0"/>
-            <a:t>IP </a:t>
-          </a:r>
-          <a:r>
-            <a:rPr lang="ko-KR" altLang="en-US" sz="1300" kern="1200" dirty="0"/>
-            <a:t>제공</a:t>
-          </a:r>
-        </a:p>
-      </dsp:txBody>
-      <dsp:txXfrm>
-        <a:off x="6875387" y="1719206"/>
-        <a:ext cx="879298" cy="586198"/>
-      </dsp:txXfrm>
-    </dsp:sp>
-    <dsp:sp modelId="{AE74041F-C419-41C5-A5C2-CBA8AF2A0C5A}">
-      <dsp:nvSpPr>
-        <dsp:cNvPr id="0" name=""/>
-        <dsp:cNvSpPr/>
-      </dsp:nvSpPr>
-      <dsp:spPr>
-        <a:xfrm>
-          <a:off x="7842615" y="1719206"/>
-          <a:ext cx="1465496" cy="586198"/>
-        </a:xfrm>
-        <a:prstGeom prst="chevron">
-          <a:avLst/>
-        </a:prstGeom>
-        <a:solidFill>
-          <a:schemeClr val="lt1"/>
-        </a:solidFill>
-        <a:ln w="12700" cap="flat" cmpd="sng" algn="ctr">
-          <a:solidFill>
-            <a:schemeClr val="bg1"/>
-          </a:solidFill>
-          <a:prstDash val="solid"/>
-          <a:miter lim="800000"/>
-        </a:ln>
-        <a:effectLst/>
-      </dsp:spPr>
-      <dsp:style>
-        <a:lnRef idx="2">
-          <a:schemeClr val="dk1"/>
-        </a:lnRef>
-        <a:fillRef idx="1">
-          <a:schemeClr val="lt1"/>
-        </a:fillRef>
-        <a:effectRef idx="0">
-          <a:schemeClr val="dk1"/>
-        </a:effectRef>
-        <a:fontRef idx="minor">
-          <a:schemeClr val="dk1"/>
-        </a:fontRef>
-      </dsp:style>
-      <dsp:txBody>
-        <a:bodyPr spcFirstLastPara="0" vert="horz" wrap="square" lIns="16510" tIns="8255" rIns="0" bIns="8255" numCol="1" spcCol="1270" anchor="ctr" anchorCtr="0">
-          <a:noAutofit/>
-        </a:bodyPr>
-        <a:lstStyle/>
-        <a:p>
-          <a:pPr marL="0" lvl="0" indent="0" algn="ctr" defTabSz="577850" latinLnBrk="1">
-            <a:lnSpc>
-              <a:spcPct val="90000"/>
-            </a:lnSpc>
-            <a:spcBef>
-              <a:spcPct val="0"/>
-            </a:spcBef>
-            <a:spcAft>
-              <a:spcPct val="35000"/>
-            </a:spcAft>
-            <a:buNone/>
-          </a:pPr>
-          <a:endParaRPr lang="ko-KR" altLang="en-US" sz="1300" kern="1200" dirty="0"/>
-        </a:p>
-      </dsp:txBody>
-      <dsp:txXfrm>
-        <a:off x="8135714" y="1719206"/>
-        <a:ext cx="879298" cy="586198"/>
-      </dsp:txXfrm>
-    </dsp:sp>
-    <dsp:sp modelId="{060D761D-9928-4D20-8332-1A5AC0526D6E}">
-      <dsp:nvSpPr>
-        <dsp:cNvPr id="0" name=""/>
-        <dsp:cNvSpPr/>
-      </dsp:nvSpPr>
-      <dsp:spPr>
-        <a:xfrm>
-          <a:off x="9102942" y="1719206"/>
-          <a:ext cx="1465496" cy="586198"/>
-        </a:xfrm>
-        <a:prstGeom prst="chevron">
-          <a:avLst/>
-        </a:prstGeom>
-        <a:solidFill>
-          <a:schemeClr val="accent3"/>
-        </a:solidFill>
-        <a:ln w="12700" cap="flat" cmpd="sng" algn="ctr">
-          <a:solidFill>
-            <a:schemeClr val="tx1"/>
-          </a:solidFill>
-          <a:prstDash val="solid"/>
-          <a:miter lim="800000"/>
-        </a:ln>
-        <a:effectLst/>
-      </dsp:spPr>
-      <dsp:style>
-        <a:lnRef idx="2">
-          <a:schemeClr val="dk1"/>
-        </a:lnRef>
-        <a:fillRef idx="1">
-          <a:schemeClr val="lt1"/>
-        </a:fillRef>
-        <a:effectRef idx="0">
-          <a:schemeClr val="dk1"/>
-        </a:effectRef>
-        <a:fontRef idx="minor">
-          <a:schemeClr val="dk1"/>
-        </a:fontRef>
-      </dsp:style>
-      <dsp:txBody>
-        <a:bodyPr spcFirstLastPara="0" vert="horz" wrap="square" lIns="16510" tIns="8255" rIns="0" bIns="8255" numCol="1" spcCol="1270" anchor="ctr" anchorCtr="0">
-          <a:noAutofit/>
-        </a:bodyPr>
-        <a:lstStyle/>
-        <a:p>
-          <a:pPr marL="0" lvl="0" indent="0" algn="ctr" defTabSz="577850" latinLnBrk="1">
-            <a:lnSpc>
-              <a:spcPct val="90000"/>
-            </a:lnSpc>
-            <a:spcBef>
-              <a:spcPct val="0"/>
-            </a:spcBef>
-            <a:spcAft>
-              <a:spcPct val="35000"/>
-            </a:spcAft>
-            <a:buNone/>
-          </a:pPr>
-          <a:r>
-            <a:rPr lang="ko-KR" altLang="en-US" sz="1300" b="1" kern="1200" dirty="0"/>
-            <a:t>화면개발</a:t>
-          </a:r>
-          <a:endParaRPr lang="en-US" altLang="ko-KR" sz="1300" b="1" kern="1200" dirty="0"/>
-        </a:p>
-        <a:p>
-          <a:pPr marL="0" lvl="0" indent="0" algn="ctr" defTabSz="577850" latinLnBrk="1">
-            <a:lnSpc>
-              <a:spcPct val="90000"/>
-            </a:lnSpc>
-            <a:spcBef>
-              <a:spcPct val="0"/>
-            </a:spcBef>
-            <a:spcAft>
-              <a:spcPct val="35000"/>
-            </a:spcAft>
-            <a:buNone/>
-          </a:pPr>
-          <a:r>
-            <a:rPr lang="ko-KR" altLang="en-US" sz="1300" b="1" kern="1200" dirty="0"/>
-            <a:t>기능테스트</a:t>
-          </a:r>
-          <a:endParaRPr lang="en-US" altLang="ko-KR" sz="1300" b="1" kern="1200" dirty="0"/>
-        </a:p>
-      </dsp:txBody>
-      <dsp:txXfrm>
-        <a:off x="9396041" y="1719206"/>
-        <a:ext cx="879298" cy="586198"/>
-      </dsp:txXfrm>
-    </dsp:sp>
-    <dsp:sp modelId="{8391D763-94D9-4230-8437-B1EF13D1DEE5}">
-      <dsp:nvSpPr>
-        <dsp:cNvPr id="0" name=""/>
-        <dsp:cNvSpPr/>
-      </dsp:nvSpPr>
-      <dsp:spPr>
-        <a:xfrm>
-          <a:off x="4859" y="2464313"/>
-          <a:ext cx="1765658" cy="706263"/>
-        </a:xfrm>
-        <a:prstGeom prst="homePlate">
-          <a:avLst/>
-        </a:prstGeom>
-        <a:solidFill>
-          <a:schemeClr val="accent3"/>
-        </a:solidFill>
-        <a:ln w="12700" cap="flat" cmpd="sng" algn="ctr">
-          <a:solidFill>
-            <a:schemeClr val="tx1"/>
-          </a:solidFill>
-          <a:prstDash val="solid"/>
-          <a:miter lim="800000"/>
-        </a:ln>
-        <a:effectLst/>
-      </dsp:spPr>
-      <dsp:style>
-        <a:lnRef idx="2">
-          <a:schemeClr val="accent3">
-            <a:shade val="50000"/>
-          </a:schemeClr>
-        </a:lnRef>
-        <a:fillRef idx="1">
-          <a:schemeClr val="accent3"/>
-        </a:fillRef>
-        <a:effectRef idx="0">
-          <a:schemeClr val="accent3"/>
-        </a:effectRef>
-        <a:fontRef idx="minor">
-          <a:schemeClr val="lt1"/>
-        </a:fontRef>
-      </dsp:style>
-      <dsp:txBody>
-        <a:bodyPr spcFirstLastPara="0" vert="horz" wrap="square" lIns="22860" tIns="11430" rIns="0" bIns="11430" numCol="1" spcCol="1270" anchor="ctr" anchorCtr="0">
-          <a:noAutofit/>
-        </a:bodyPr>
-        <a:lstStyle/>
-        <a:p>
-          <a:pPr marL="0" lvl="0" indent="0" algn="ctr" defTabSz="800100" latinLnBrk="1">
-            <a:lnSpc>
-              <a:spcPct val="90000"/>
-            </a:lnSpc>
-            <a:spcBef>
-              <a:spcPct val="0"/>
-            </a:spcBef>
-            <a:spcAft>
-              <a:spcPct val="35000"/>
-            </a:spcAft>
-            <a:buNone/>
-          </a:pPr>
-          <a:r>
-            <a:rPr lang="ko-KR" altLang="en-US" sz="1800" b="1" kern="1200" dirty="0" err="1"/>
-            <a:t>스마트빌</a:t>
-          </a:r>
-          <a:endParaRPr lang="ko-KR" altLang="en-US" sz="1800" b="1" kern="1200" dirty="0"/>
-        </a:p>
-      </dsp:txBody>
-      <dsp:txXfrm>
-        <a:off x="4859" y="2464313"/>
-        <a:ext cx="1589092" cy="706263"/>
-      </dsp:txXfrm>
-    </dsp:sp>
-    <dsp:sp modelId="{6259C32C-2377-4CC5-984F-9A59AEFD8B8E}">
-      <dsp:nvSpPr>
-        <dsp:cNvPr id="0" name=""/>
-        <dsp:cNvSpPr/>
-      </dsp:nvSpPr>
-      <dsp:spPr>
-        <a:xfrm>
-          <a:off x="1540981" y="2524346"/>
-          <a:ext cx="1465496" cy="586198"/>
-        </a:xfrm>
-        <a:prstGeom prst="chevron">
-          <a:avLst/>
-        </a:prstGeom>
-        <a:solidFill>
-          <a:schemeClr val="lt1"/>
-        </a:solidFill>
-        <a:ln w="12700" cap="flat" cmpd="sng" algn="ctr">
-          <a:solidFill>
-            <a:schemeClr val="bg1"/>
-          </a:solidFill>
-          <a:prstDash val="solid"/>
-          <a:miter lim="800000"/>
-        </a:ln>
-        <a:effectLst/>
-      </dsp:spPr>
-      <dsp:style>
-        <a:lnRef idx="2">
-          <a:schemeClr val="dk1"/>
-        </a:lnRef>
-        <a:fillRef idx="1">
-          <a:schemeClr val="lt1"/>
-        </a:fillRef>
-        <a:effectRef idx="0">
-          <a:schemeClr val="dk1"/>
-        </a:effectRef>
-        <a:fontRef idx="minor">
-          <a:schemeClr val="dk1"/>
-        </a:fontRef>
-      </dsp:style>
-      <dsp:txBody>
-        <a:bodyPr spcFirstLastPara="0" vert="horz" wrap="square" lIns="16510" tIns="8255" rIns="0" bIns="8255" numCol="1" spcCol="1270" anchor="ctr" anchorCtr="0">
-          <a:noAutofit/>
-        </a:bodyPr>
-        <a:lstStyle/>
-        <a:p>
-          <a:pPr marL="0" lvl="0" indent="0" algn="ctr" defTabSz="577850" latinLnBrk="1">
-            <a:lnSpc>
-              <a:spcPct val="90000"/>
-            </a:lnSpc>
-            <a:spcBef>
-              <a:spcPct val="0"/>
-            </a:spcBef>
-            <a:spcAft>
-              <a:spcPct val="35000"/>
-            </a:spcAft>
-            <a:buNone/>
-          </a:pPr>
-          <a:endParaRPr lang="ko-KR" altLang="en-US" sz="1300" kern="1200" dirty="0"/>
-        </a:p>
-      </dsp:txBody>
-      <dsp:txXfrm>
-        <a:off x="1834080" y="2524346"/>
-        <a:ext cx="879298" cy="586198"/>
-      </dsp:txXfrm>
-    </dsp:sp>
-    <dsp:sp modelId="{58C5311A-45A1-4EF2-8C08-E645B913A2B3}">
-      <dsp:nvSpPr>
-        <dsp:cNvPr id="0" name=""/>
-        <dsp:cNvSpPr/>
-      </dsp:nvSpPr>
-      <dsp:spPr>
-        <a:xfrm>
-          <a:off x="2801308" y="2524346"/>
-          <a:ext cx="1465496" cy="586198"/>
-        </a:xfrm>
-        <a:prstGeom prst="chevron">
-          <a:avLst/>
-        </a:prstGeom>
-        <a:solidFill>
-          <a:schemeClr val="lt1"/>
-        </a:solidFill>
-        <a:ln w="12700" cap="flat" cmpd="sng" algn="ctr">
-          <a:solidFill>
-            <a:schemeClr val="tx1"/>
-          </a:solidFill>
-          <a:prstDash val="solid"/>
-          <a:miter lim="800000"/>
-        </a:ln>
-        <a:effectLst/>
-      </dsp:spPr>
-      <dsp:style>
-        <a:lnRef idx="2">
-          <a:schemeClr val="dk1"/>
-        </a:lnRef>
-        <a:fillRef idx="1">
-          <a:schemeClr val="lt1"/>
-        </a:fillRef>
-        <a:effectRef idx="0">
-          <a:schemeClr val="dk1"/>
-        </a:effectRef>
-        <a:fontRef idx="minor">
-          <a:schemeClr val="dk1"/>
-        </a:fontRef>
-      </dsp:style>
-      <dsp:txBody>
-        <a:bodyPr spcFirstLastPara="0" vert="horz" wrap="square" lIns="16510" tIns="8255" rIns="0" bIns="8255" numCol="1" spcCol="1270" anchor="ctr" anchorCtr="0">
-          <a:noAutofit/>
-        </a:bodyPr>
-        <a:lstStyle/>
-        <a:p>
-          <a:pPr marL="0" lvl="0" indent="0" algn="ctr" defTabSz="577850" latinLnBrk="1">
-            <a:lnSpc>
-              <a:spcPct val="90000"/>
-            </a:lnSpc>
-            <a:spcBef>
-              <a:spcPct val="0"/>
-            </a:spcBef>
-            <a:spcAft>
-              <a:spcPct val="35000"/>
-            </a:spcAft>
-            <a:buNone/>
-          </a:pPr>
-          <a:r>
-            <a:rPr lang="ko-KR" altLang="en-US" sz="1300" kern="1200" dirty="0"/>
-            <a:t>환경요청서</a:t>
-          </a:r>
-          <a:endParaRPr lang="en-US" altLang="ko-KR" sz="1300" kern="1200" dirty="0"/>
-        </a:p>
-        <a:p>
-          <a:pPr marL="0" lvl="0" indent="0" algn="ctr" defTabSz="577850" latinLnBrk="1">
-            <a:lnSpc>
-              <a:spcPct val="90000"/>
-            </a:lnSpc>
-            <a:spcBef>
-              <a:spcPct val="0"/>
-            </a:spcBef>
-            <a:spcAft>
-              <a:spcPct val="35000"/>
-            </a:spcAft>
-            <a:buNone/>
-          </a:pPr>
-          <a:r>
-            <a:rPr lang="ko-KR" altLang="en-US" sz="1300" kern="1200" dirty="0"/>
-            <a:t>제공</a:t>
-          </a:r>
-        </a:p>
-      </dsp:txBody>
-      <dsp:txXfrm>
-        <a:off x="3094407" y="2524346"/>
-        <a:ext cx="879298" cy="586198"/>
-      </dsp:txXfrm>
-    </dsp:sp>
-    <dsp:sp modelId="{F7B8B05F-3D8B-44E8-B51D-61114CF75529}">
-      <dsp:nvSpPr>
-        <dsp:cNvPr id="0" name=""/>
-        <dsp:cNvSpPr/>
-      </dsp:nvSpPr>
-      <dsp:spPr>
-        <a:xfrm>
-          <a:off x="4061635" y="2524346"/>
-          <a:ext cx="1465496" cy="586198"/>
-        </a:xfrm>
-        <a:prstGeom prst="chevron">
-          <a:avLst/>
-        </a:prstGeom>
-        <a:solidFill>
-          <a:schemeClr val="lt1"/>
-        </a:solidFill>
-        <a:ln w="12700" cap="flat" cmpd="sng" algn="ctr">
-          <a:solidFill>
-            <a:schemeClr val="tx1"/>
-          </a:solidFill>
-          <a:prstDash val="solid"/>
-          <a:miter lim="800000"/>
-        </a:ln>
-        <a:effectLst/>
-      </dsp:spPr>
-      <dsp:style>
-        <a:lnRef idx="2">
-          <a:schemeClr val="dk1"/>
-        </a:lnRef>
-        <a:fillRef idx="1">
-          <a:schemeClr val="lt1"/>
-        </a:fillRef>
-        <a:effectRef idx="0">
-          <a:schemeClr val="dk1"/>
-        </a:effectRef>
-        <a:fontRef idx="minor">
-          <a:schemeClr val="dk1"/>
-        </a:fontRef>
-      </dsp:style>
-      <dsp:txBody>
-        <a:bodyPr spcFirstLastPara="0" vert="horz" wrap="square" lIns="16510" tIns="8255" rIns="0" bIns="8255" numCol="1" spcCol="1270" anchor="ctr" anchorCtr="0">
-          <a:noAutofit/>
-        </a:bodyPr>
-        <a:lstStyle/>
-        <a:p>
-          <a:pPr marL="0" lvl="0" indent="0" algn="ctr" defTabSz="577850" latinLnBrk="1">
-            <a:lnSpc>
-              <a:spcPct val="90000"/>
-            </a:lnSpc>
-            <a:spcBef>
-              <a:spcPct val="0"/>
-            </a:spcBef>
-            <a:spcAft>
-              <a:spcPct val="35000"/>
-            </a:spcAft>
-            <a:buNone/>
-          </a:pPr>
-          <a:r>
             <a:rPr lang="en-US" altLang="ko-KR" sz="1300" kern="1200" dirty="0"/>
             <a:t>DB Script</a:t>
           </a:r>
@@ -4425,8 +4450,8 @@
         </a:p>
       </dsp:txBody>
       <dsp:txXfrm>
-        <a:off x="4354734" y="2524346"/>
-        <a:ext cx="879298" cy="586198"/>
+        <a:off x="4916914" y="2552717"/>
+        <a:ext cx="992812" cy="661874"/>
       </dsp:txXfrm>
     </dsp:sp>
     <dsp:sp modelId="{11696550-DEC4-4D28-8341-C923D49260AC}">
@@ -4436,8 +4461,8 @@
       </dsp:nvSpPr>
       <dsp:spPr>
         <a:xfrm>
-          <a:off x="5321962" y="2524346"/>
-          <a:ext cx="1465496" cy="586198"/>
+          <a:off x="6009007" y="2552717"/>
+          <a:ext cx="1654686" cy="661874"/>
         </a:xfrm>
         <a:prstGeom prst="chevron">
           <a:avLst/>
@@ -4514,8 +4539,8 @@
         </a:p>
       </dsp:txBody>
       <dsp:txXfrm>
-        <a:off x="5615061" y="2524346"/>
-        <a:ext cx="879298" cy="586198"/>
+        <a:off x="6339944" y="2552717"/>
+        <a:ext cx="992812" cy="661874"/>
       </dsp:txXfrm>
     </dsp:sp>
     <dsp:sp modelId="{633D2628-E9C2-40D0-B438-E0B3F95A2DEB}">
@@ -4525,8 +4550,8 @@
       </dsp:nvSpPr>
       <dsp:spPr>
         <a:xfrm>
-          <a:off x="6619233" y="2510553"/>
-          <a:ext cx="1465496" cy="586198"/>
+          <a:off x="7473752" y="2537143"/>
+          <a:ext cx="1654686" cy="661874"/>
         </a:xfrm>
         <a:prstGeom prst="chevron">
           <a:avLst/>
@@ -4579,12 +4604,31 @@
             <a:rPr lang="ko-KR" altLang="en-US" sz="1300" b="1" kern="1200" dirty="0" err="1"/>
             <a:t>라우팅등록</a:t>
           </a:r>
-          <a:endParaRPr lang="ko-KR" altLang="en-US" sz="1300" kern="1200" dirty="0"/>
+          <a:endParaRPr lang="en-US" altLang="ko-KR" sz="1300" b="1" kern="1200" dirty="0"/>
+        </a:p>
+        <a:p>
+          <a:pPr marL="0" lvl="0" indent="0" algn="ctr" defTabSz="577850" latinLnBrk="1">
+            <a:lnSpc>
+              <a:spcPct val="90000"/>
+            </a:lnSpc>
+            <a:spcBef>
+              <a:spcPct val="0"/>
+            </a:spcBef>
+            <a:spcAft>
+              <a:spcPct val="35000"/>
+            </a:spcAft>
+            <a:buNone/>
+          </a:pPr>
+          <a:r>
+            <a:rPr lang="ko-KR" altLang="en-US" sz="1300" b="1" kern="1200" dirty="0"/>
+            <a:t>통신테스트</a:t>
+          </a:r>
+          <a:endParaRPr lang="en-US" altLang="ko-KR" sz="1300" b="1" kern="1200" dirty="0"/>
         </a:p>
       </dsp:txBody>
       <dsp:txXfrm>
-        <a:off x="6912332" y="2510553"/>
-        <a:ext cx="879298" cy="586198"/>
+        <a:off x="7804689" y="2537143"/>
+        <a:ext cx="992812" cy="661874"/>
       </dsp:txXfrm>
     </dsp:sp>
     <dsp:sp modelId="{4B964C4D-0A37-435E-B03B-67BD097866C3}">
@@ -4594,19 +4638,15 @@
       </dsp:nvSpPr>
       <dsp:spPr>
         <a:xfrm>
-          <a:off x="7842615" y="2524346"/>
-          <a:ext cx="1465496" cy="586198"/>
+          <a:off x="8855068" y="2552717"/>
+          <a:ext cx="1654686" cy="661874"/>
         </a:xfrm>
         <a:prstGeom prst="chevron">
           <a:avLst/>
         </a:prstGeom>
-        <a:solidFill>
-          <a:schemeClr val="accent3"/>
-        </a:solidFill>
+        <a:noFill/>
         <a:ln w="12700" cap="flat" cmpd="sng" algn="ctr">
-          <a:solidFill>
-            <a:schemeClr val="tx1"/>
-          </a:solidFill>
+          <a:noFill/>
           <a:prstDash val="solid"/>
           <a:miter lim="800000"/>
         </a:ln>
@@ -4644,15 +4684,12 @@
             </a:spcAft>
             <a:buNone/>
           </a:pPr>
-          <a:r>
-            <a:rPr lang="ko-KR" altLang="en-US" sz="1300" b="1" kern="1200" dirty="0"/>
-            <a:t>통신테스트</a:t>
-          </a:r>
+          <a:endParaRPr lang="ko-KR" altLang="en-US" sz="1300" b="1" kern="1200" dirty="0"/>
         </a:p>
       </dsp:txBody>
       <dsp:txXfrm>
-        <a:off x="8135714" y="2524346"/>
-        <a:ext cx="879298" cy="586198"/>
+        <a:off x="9186005" y="2552717"/>
+        <a:ext cx="992812" cy="661874"/>
       </dsp:txXfrm>
     </dsp:sp>
     <dsp:sp modelId="{A6CDD180-BDBF-4C84-B126-FD3F11A6B565}">
@@ -4662,8 +4699,8 @@
       </dsp:nvSpPr>
       <dsp:spPr>
         <a:xfrm>
-          <a:off x="9102942" y="2524346"/>
-          <a:ext cx="1465496" cy="586198"/>
+          <a:off x="10278099" y="2552717"/>
+          <a:ext cx="1654686" cy="661874"/>
         </a:xfrm>
         <a:prstGeom prst="chevron">
           <a:avLst/>
@@ -4738,8 +4775,8 @@
         </a:p>
       </dsp:txBody>
       <dsp:txXfrm>
-        <a:off x="9396041" y="2524346"/>
-        <a:ext cx="879298" cy="586198"/>
+        <a:off x="10609036" y="2552717"/>
+        <a:ext cx="992812" cy="661874"/>
       </dsp:txXfrm>
     </dsp:sp>
   </dsp:spTree>
@@ -6208,7 +6245,7 @@
           <a:p>
             <a:fld id="{31B6FDBF-66BD-4C3D-83E2-A72213388E28}" type="datetimeFigureOut">
               <a:rPr lang="ko-KR" altLang="en-US" smtClean="0"/>
-              <a:t>2020-12-22</a:t>
+              <a:t>2020-12-23</a:t>
             </a:fld>
             <a:endParaRPr lang="ko-KR" altLang="en-US"/>
           </a:p>
@@ -6406,7 +6443,7 @@
           <a:p>
             <a:fld id="{31B6FDBF-66BD-4C3D-83E2-A72213388E28}" type="datetimeFigureOut">
               <a:rPr lang="ko-KR" altLang="en-US" smtClean="0"/>
-              <a:t>2020-12-22</a:t>
+              <a:t>2020-12-23</a:t>
             </a:fld>
             <a:endParaRPr lang="ko-KR" altLang="en-US"/>
           </a:p>
@@ -6614,7 +6651,7 @@
           <a:p>
             <a:fld id="{31B6FDBF-66BD-4C3D-83E2-A72213388E28}" type="datetimeFigureOut">
               <a:rPr lang="ko-KR" altLang="en-US" smtClean="0"/>
-              <a:t>2020-12-22</a:t>
+              <a:t>2020-12-23</a:t>
             </a:fld>
             <a:endParaRPr lang="ko-KR" altLang="en-US"/>
           </a:p>
@@ -6812,7 +6849,7 @@
           <a:p>
             <a:fld id="{31B6FDBF-66BD-4C3D-83E2-A72213388E28}" type="datetimeFigureOut">
               <a:rPr lang="ko-KR" altLang="en-US" smtClean="0"/>
-              <a:t>2020-12-22</a:t>
+              <a:t>2020-12-23</a:t>
             </a:fld>
             <a:endParaRPr lang="ko-KR" altLang="en-US"/>
           </a:p>
@@ -7087,7 +7124,7 @@
           <a:p>
             <a:fld id="{31B6FDBF-66BD-4C3D-83E2-A72213388E28}" type="datetimeFigureOut">
               <a:rPr lang="ko-KR" altLang="en-US" smtClean="0"/>
-              <a:t>2020-12-22</a:t>
+              <a:t>2020-12-23</a:t>
             </a:fld>
             <a:endParaRPr lang="ko-KR" altLang="en-US"/>
           </a:p>
@@ -7352,7 +7389,7 @@
           <a:p>
             <a:fld id="{31B6FDBF-66BD-4C3D-83E2-A72213388E28}" type="datetimeFigureOut">
               <a:rPr lang="ko-KR" altLang="en-US" smtClean="0"/>
-              <a:t>2020-12-22</a:t>
+              <a:t>2020-12-23</a:t>
             </a:fld>
             <a:endParaRPr lang="ko-KR" altLang="en-US"/>
           </a:p>
@@ -7764,7 +7801,7 @@
           <a:p>
             <a:fld id="{31B6FDBF-66BD-4C3D-83E2-A72213388E28}" type="datetimeFigureOut">
               <a:rPr lang="ko-KR" altLang="en-US" smtClean="0"/>
-              <a:t>2020-12-22</a:t>
+              <a:t>2020-12-23</a:t>
             </a:fld>
             <a:endParaRPr lang="ko-KR" altLang="en-US"/>
           </a:p>
@@ -7905,7 +7942,7 @@
           <a:p>
             <a:fld id="{31B6FDBF-66BD-4C3D-83E2-A72213388E28}" type="datetimeFigureOut">
               <a:rPr lang="ko-KR" altLang="en-US" smtClean="0"/>
-              <a:t>2020-12-22</a:t>
+              <a:t>2020-12-23</a:t>
             </a:fld>
             <a:endParaRPr lang="ko-KR" altLang="en-US"/>
           </a:p>
@@ -8018,7 +8055,7 @@
           <a:p>
             <a:fld id="{31B6FDBF-66BD-4C3D-83E2-A72213388E28}" type="datetimeFigureOut">
               <a:rPr lang="ko-KR" altLang="en-US" smtClean="0"/>
-              <a:t>2020-12-22</a:t>
+              <a:t>2020-12-23</a:t>
             </a:fld>
             <a:endParaRPr lang="ko-KR" altLang="en-US"/>
           </a:p>
@@ -8329,7 +8366,7 @@
           <a:p>
             <a:fld id="{31B6FDBF-66BD-4C3D-83E2-A72213388E28}" type="datetimeFigureOut">
               <a:rPr lang="ko-KR" altLang="en-US" smtClean="0"/>
-              <a:t>2020-12-22</a:t>
+              <a:t>2020-12-23</a:t>
             </a:fld>
             <a:endParaRPr lang="ko-KR" altLang="en-US"/>
           </a:p>
@@ -8617,7 +8654,7 @@
           <a:p>
             <a:fld id="{31B6FDBF-66BD-4C3D-83E2-A72213388E28}" type="datetimeFigureOut">
               <a:rPr lang="ko-KR" altLang="en-US" smtClean="0"/>
-              <a:t>2020-12-22</a:t>
+              <a:t>2020-12-23</a:t>
             </a:fld>
             <a:endParaRPr lang="ko-KR" altLang="en-US"/>
           </a:p>
@@ -8858,7 +8895,7 @@
           <a:p>
             <a:fld id="{31B6FDBF-66BD-4C3D-83E2-A72213388E28}" type="datetimeFigureOut">
               <a:rPr lang="ko-KR" altLang="en-US" smtClean="0"/>
-              <a:t>2020-12-22</a:t>
+              <a:t>2020-12-23</a:t>
             </a:fld>
             <a:endParaRPr lang="ko-KR" altLang="en-US"/>
           </a:p>
@@ -9288,14 +9325,14 @@
           <p:nvPr>
             <p:extLst>
               <p:ext uri="{D42A27DB-BD31-4B8C-83A1-F6EECF244321}">
-                <p14:modId xmlns:p14="http://schemas.microsoft.com/office/powerpoint/2010/main" val="1569676843"/>
+                <p14:modId xmlns:p14="http://schemas.microsoft.com/office/powerpoint/2010/main" val="2565812108"/>
               </p:ext>
             </p:extLst>
           </p:nvPr>
         </p:nvGraphicFramePr>
         <p:xfrm>
-          <a:off x="94703" y="918450"/>
-          <a:ext cx="10573298" cy="4024611"/>
+          <a:off x="126864" y="781878"/>
+          <a:ext cx="11938272" cy="3949148"/>
         </p:xfrm>
         <a:graphic>
           <a:graphicData uri="http://schemas.openxmlformats.org/drawingml/2006/diagram">
